--- a/NDC-TALK.pptx
+++ b/NDC-TALK.pptx
@@ -299,7 +299,7 @@
           <a:p>
             <a:fld id="{80680FBE-A8DF-4758-9AC4-3A9E1039168F}" type="datetimeFigureOut">
               <a:rPr lang="en-US" smtClean="0"/>
-              <a:t>1/22/2021</a:t>
+              <a:t>1/23/2021</a:t>
             </a:fld>
             <a:endParaRPr lang="en-US" dirty="0"/>
           </a:p>
@@ -464,7 +464,7 @@
           <a:p>
             <a:fld id="{EC13577B-6902-467D-A26C-08A0DD5E4E03}" type="datetimeFigureOut">
               <a:rPr lang="en-US" smtClean="0"/>
-              <a:t>1/22/2021</a:t>
+              <a:t>1/23/2021</a:t>
             </a:fld>
             <a:endParaRPr lang="en-US" dirty="0"/>
           </a:p>
@@ -1170,7 +1170,7 @@
             <a:fld id="{8BEEBAAA-29B5-4AF5-BC5F-7E580C29002D}" type="datetimeFigureOut">
               <a:rPr lang="en-US" smtClean="0"/>
               <a:pPr/>
-              <a:t>1/22/2021</a:t>
+              <a:t>1/23/2021</a:t>
             </a:fld>
             <a:endParaRPr lang="en-US" dirty="0"/>
           </a:p>
@@ -1745,7 +1745,7 @@
           <a:p>
             <a:fld id="{4D723AB6-704A-42C8-AB51-31B091223600}" type="datetimeFigureOut">
               <a:rPr lang="en-GB" smtClean="0"/>
-              <a:t>22/01/2021</a:t>
+              <a:t>23/01/2021</a:t>
             </a:fld>
             <a:endParaRPr lang="en-GB"/>
           </a:p>
@@ -1945,7 +1945,7 @@
           <a:p>
             <a:fld id="{4D723AB6-704A-42C8-AB51-31B091223600}" type="datetimeFigureOut">
               <a:rPr lang="en-GB" smtClean="0"/>
-              <a:t>22/01/2021</a:t>
+              <a:t>23/01/2021</a:t>
             </a:fld>
             <a:endParaRPr lang="en-GB"/>
           </a:p>
@@ -2218,7 +2218,7 @@
             <a:fld id="{8BEEBAAA-29B5-4AF5-BC5F-7E580C29002D}" type="datetimeFigureOut">
               <a:rPr lang="en-US" smtClean="0"/>
               <a:pPr/>
-              <a:t>1/22/2021</a:t>
+              <a:t>1/23/2021</a:t>
             </a:fld>
             <a:endParaRPr lang="en-US" dirty="0"/>
           </a:p>
@@ -3297,6 +3297,22 @@
               </a:rPr>
               <a:t>The demo repo in this talk is a set of lessons on Vanilla JS Web Components and there is a YouTube video series explaining each lesson.</a:t>
             </a:r>
+          </a:p>
+          <a:p>
+            <a:pPr marL="457200" lvl="1" indent="0">
+              <a:lnSpc>
+                <a:spcPts val="2500"/>
+              </a:lnSpc>
+              <a:spcAft>
+                <a:spcPts val="600"/>
+              </a:spcAft>
+              <a:buNone/>
+              <a:defRPr/>
+            </a:pPr>
+            <a:endParaRPr lang="en-US" sz="2000" dirty="0">
+              <a:latin typeface="Segoe UI" panose="020B0502040204020203" pitchFamily="34" charset="0"/>
+              <a:cs typeface="Segoe UI" panose="020B0502040204020203" pitchFamily="34" charset="0"/>
+            </a:endParaRPr>
           </a:p>
           <a:p>
             <a:pPr marL="457200" lvl="1" indent="0" algn="ctr">
@@ -24547,21 +24563,21 @@
 </file>
 
 <file path=customXml/item2.xml><?xml version="1.0" encoding="utf-8"?>
+<?mso-contentType ?>
+<FormTemplates xmlns="http://schemas.microsoft.com/sharepoint/v3/contenttype/forms">
+  <Display>DocumentLibraryForm</Display>
+  <Edit>DocumentLibraryForm</Edit>
+  <New>DocumentLibraryForm</New>
+</FormTemplates>
+</file>
+
+<file path=customXml/item3.xml><?xml version="1.0" encoding="utf-8"?>
 <p:properties xmlns:p="http://schemas.microsoft.com/office/2006/metadata/properties" xmlns:xsi="http://www.w3.org/2001/XMLSchema-instance" xmlns:pc="http://schemas.microsoft.com/office/infopath/2007/PartnerControls">
   <documentManagement>
     <Status xmlns="71af3243-3dd4-4a8d-8c0d-dd76da1f02a5">Not started</Status>
     <MediaServiceKeyPoints xmlns="71af3243-3dd4-4a8d-8c0d-dd76da1f02a5" xsi:nil="true"/>
   </documentManagement>
 </p:properties>
-</file>
-
-<file path=customXml/item3.xml><?xml version="1.0" encoding="utf-8"?>
-<?mso-contentType ?>
-<FormTemplates xmlns="http://schemas.microsoft.com/sharepoint/v3/contenttype/forms">
-  <Display>DocumentLibraryForm</Display>
-  <Edit>DocumentLibraryForm</Edit>
-  <New>DocumentLibraryForm</New>
-</FormTemplates>
 </file>
 
 <file path=customXml/itemProps1.xml><?xml version="1.0" encoding="utf-8"?>
@@ -24584,6 +24600,14 @@
 </file>
 
 <file path=customXml/itemProps2.xml><?xml version="1.0" encoding="utf-8"?>
+<ds:datastoreItem xmlns:ds="http://schemas.openxmlformats.org/officeDocument/2006/customXml" ds:itemID="{7EE8C63A-4744-4DE4-BB49-0FF0B5375C60}">
+  <ds:schemaRefs>
+    <ds:schemaRef ds:uri="http://schemas.microsoft.com/sharepoint/v3/contenttype/forms"/>
+  </ds:schemaRefs>
+</ds:datastoreItem>
+</file>
+
+<file path=customXml/itemProps3.xml><?xml version="1.0" encoding="utf-8"?>
 <ds:datastoreItem xmlns:ds="http://schemas.openxmlformats.org/officeDocument/2006/customXml" ds:itemID="{950072C5-DDE0-4258-BA7A-4D4B80DFA632}">
   <ds:schemaRefs>
     <ds:schemaRef ds:uri="http://purl.org/dc/dcmitype/"/>
@@ -24598,12 +24622,4 @@
     <ds:schemaRef ds:uri="71af3243-3dd4-4a8d-8c0d-dd76da1f02a5"/>
   </ds:schemaRefs>
 </ds:datastoreItem>
-</file>
-
-<file path=customXml/itemProps3.xml><?xml version="1.0" encoding="utf-8"?>
-<ds:datastoreItem xmlns:ds="http://schemas.openxmlformats.org/officeDocument/2006/customXml" ds:itemID="{7EE8C63A-4744-4DE4-BB49-0FF0B5375C60}">
-  <ds:schemaRefs>
-    <ds:schemaRef ds:uri="http://schemas.microsoft.com/sharepoint/v3/contenttype/forms"/>
-  </ds:schemaRefs>
-</ds:datastoreItem>
 </file>
--- a/NDC-TALK.pptx
+++ b/NDC-TALK.pptx
@@ -36,10 +36,10 @@
     <p:sldId id="355" r:id="rId27"/>
     <p:sldId id="367" r:id="rId28"/>
     <p:sldId id="371" r:id="rId29"/>
-    <p:sldId id="353" r:id="rId30"/>
-    <p:sldId id="354" r:id="rId31"/>
-    <p:sldId id="361" r:id="rId32"/>
-    <p:sldId id="362" r:id="rId33"/>
+    <p:sldId id="354" r:id="rId30"/>
+    <p:sldId id="361" r:id="rId31"/>
+    <p:sldId id="362" r:id="rId32"/>
+    <p:sldId id="353" r:id="rId33"/>
     <p:sldId id="363" r:id="rId34"/>
     <p:sldId id="364" r:id="rId35"/>
     <p:sldId id="365" r:id="rId36"/>
@@ -175,10 +175,10 @@
             <p14:sldId id="355"/>
             <p14:sldId id="367"/>
             <p14:sldId id="371"/>
-            <p14:sldId id="353"/>
             <p14:sldId id="354"/>
             <p14:sldId id="361"/>
             <p14:sldId id="362"/>
+            <p14:sldId id="353"/>
             <p14:sldId id="363"/>
             <p14:sldId id="364"/>
             <p14:sldId id="365"/>
@@ -299,7 +299,7 @@
           <a:p>
             <a:fld id="{80680FBE-A8DF-4758-9AC4-3A9E1039168F}" type="datetimeFigureOut">
               <a:rPr lang="en-US" smtClean="0"/>
-              <a:t>1/23/2021</a:t>
+              <a:t>1/26/2021</a:t>
             </a:fld>
             <a:endParaRPr lang="en-US" dirty="0"/>
           </a:p>
@@ -464,7 +464,7 @@
           <a:p>
             <a:fld id="{EC13577B-6902-467D-A26C-08A0DD5E4E03}" type="datetimeFigureOut">
               <a:rPr lang="en-US" smtClean="0"/>
-              <a:t>1/23/2021</a:t>
+              <a:t>1/26/2021</a:t>
             </a:fld>
             <a:endParaRPr lang="en-US" dirty="0"/>
           </a:p>
@@ -1170,7 +1170,7 @@
             <a:fld id="{8BEEBAAA-29B5-4AF5-BC5F-7E580C29002D}" type="datetimeFigureOut">
               <a:rPr lang="en-US" smtClean="0"/>
               <a:pPr/>
-              <a:t>1/23/2021</a:t>
+              <a:t>1/26/2021</a:t>
             </a:fld>
             <a:endParaRPr lang="en-US" dirty="0"/>
           </a:p>
@@ -1745,7 +1745,7 @@
           <a:p>
             <a:fld id="{4D723AB6-704A-42C8-AB51-31B091223600}" type="datetimeFigureOut">
               <a:rPr lang="en-GB" smtClean="0"/>
-              <a:t>23/01/2021</a:t>
+              <a:t>26/01/2021</a:t>
             </a:fld>
             <a:endParaRPr lang="en-GB"/>
           </a:p>
@@ -1945,7 +1945,7 @@
           <a:p>
             <a:fld id="{4D723AB6-704A-42C8-AB51-31B091223600}" type="datetimeFigureOut">
               <a:rPr lang="en-GB" smtClean="0"/>
-              <a:t>23/01/2021</a:t>
+              <a:t>26/01/2021</a:t>
             </a:fld>
             <a:endParaRPr lang="en-GB"/>
           </a:p>
@@ -2218,7 +2218,7 @@
             <a:fld id="{8BEEBAAA-29B5-4AF5-BC5F-7E580C29002D}" type="datetimeFigureOut">
               <a:rPr lang="en-US" smtClean="0"/>
               <a:pPr/>
-              <a:t>1/23/2021</a:t>
+              <a:t>1/26/2021</a:t>
             </a:fld>
             <a:endParaRPr lang="en-US" dirty="0"/>
           </a:p>
@@ -4605,8 +4605,8 @@
         </p:nvSpPr>
         <p:spPr>
           <a:xfrm>
-            <a:off x="541609" y="1455491"/>
-            <a:ext cx="10356444" cy="4976208"/>
+            <a:off x="541609" y="1691065"/>
+            <a:ext cx="10356444" cy="4549907"/>
           </a:xfrm>
           <a:prstGeom prst="rect">
             <a:avLst/>
@@ -13613,749 +13613,6 @@
                 <a:latin typeface="Segoe UI Light" panose="020B0502040204020203" pitchFamily="34" charset="0"/>
                 <a:cs typeface="Segoe UI Light" panose="020B0502040204020203" pitchFamily="34" charset="0"/>
               </a:rPr>
-              <a:t>Useful references</a:t>
-            </a:r>
-          </a:p>
-        </p:txBody>
-      </p:sp>
-      <p:sp>
-        <p:nvSpPr>
-          <p:cNvPr id="25" name="Content Placeholder 17"/>
-          <p:cNvSpPr txBox="1">
-            <a:spLocks/>
-          </p:cNvSpPr>
-          <p:nvPr/>
-        </p:nvSpPr>
-        <p:spPr>
-          <a:xfrm>
-            <a:off x="541609" y="1455491"/>
-            <a:ext cx="5110161" cy="471149"/>
-          </a:xfrm>
-          <a:prstGeom prst="rect">
-            <a:avLst/>
-          </a:prstGeom>
-        </p:spPr>
-        <p:txBody>
-          <a:bodyPr vert="horz" lIns="91440" tIns="45720" rIns="91440" bIns="45720" rtlCol="0">
-            <a:normAutofit/>
-          </a:bodyPr>
-          <a:lstStyle>
-            <a:lvl1pPr marL="228600" indent="-228600" algn="l" defTabSz="914400" rtl="0" eaLnBrk="1" latinLnBrk="0" hangingPunct="1">
-              <a:lnSpc>
-                <a:spcPts val="1800"/>
-              </a:lnSpc>
-              <a:spcBef>
-                <a:spcPts val="1000"/>
-              </a:spcBef>
-              <a:spcAft>
-                <a:spcPts val="1000"/>
-              </a:spcAft>
-              <a:buFont typeface="Arial" panose="020B0604020202020204" pitchFamily="34" charset="0"/>
-              <a:buChar char="•"/>
-              <a:defRPr lang="en-US" sz="1200" kern="1200" smtClean="0">
-                <a:solidFill>
-                  <a:schemeClr val="tx1">
-                    <a:lumMod val="75000"/>
-                    <a:lumOff val="25000"/>
-                  </a:schemeClr>
-                </a:solidFill>
-                <a:latin typeface="+mn-lt"/>
-                <a:ea typeface="+mn-ea"/>
-                <a:cs typeface="+mn-cs"/>
-              </a:defRPr>
-            </a:lvl1pPr>
-            <a:lvl2pPr marL="685800" indent="-228600" algn="l" defTabSz="914400" rtl="0" eaLnBrk="1" latinLnBrk="0" hangingPunct="1">
-              <a:lnSpc>
-                <a:spcPts val="1800"/>
-              </a:lnSpc>
-              <a:spcBef>
-                <a:spcPts val="1000"/>
-              </a:spcBef>
-              <a:spcAft>
-                <a:spcPts val="1000"/>
-              </a:spcAft>
-              <a:buFont typeface="Arial" panose="020B0604020202020204" pitchFamily="34" charset="0"/>
-              <a:buChar char="•"/>
-              <a:defRPr lang="en-US" sz="1200" kern="1200" smtClean="0">
-                <a:solidFill>
-                  <a:schemeClr val="tx1">
-                    <a:lumMod val="75000"/>
-                    <a:lumOff val="25000"/>
-                  </a:schemeClr>
-                </a:solidFill>
-                <a:latin typeface="+mn-lt"/>
-                <a:ea typeface="+mn-ea"/>
-                <a:cs typeface="+mn-cs"/>
-              </a:defRPr>
-            </a:lvl2pPr>
-            <a:lvl3pPr marL="1143000" indent="-228600" algn="l" defTabSz="914400" rtl="0" eaLnBrk="1" latinLnBrk="0" hangingPunct="1">
-              <a:lnSpc>
-                <a:spcPts val="1800"/>
-              </a:lnSpc>
-              <a:spcBef>
-                <a:spcPts val="1000"/>
-              </a:spcBef>
-              <a:spcAft>
-                <a:spcPts val="1000"/>
-              </a:spcAft>
-              <a:buFont typeface="Arial" panose="020B0604020202020204" pitchFamily="34" charset="0"/>
-              <a:buChar char="•"/>
-              <a:defRPr lang="en-US" sz="1200" kern="1200" smtClean="0">
-                <a:solidFill>
-                  <a:schemeClr val="tx1">
-                    <a:lumMod val="75000"/>
-                    <a:lumOff val="25000"/>
-                  </a:schemeClr>
-                </a:solidFill>
-                <a:latin typeface="+mn-lt"/>
-                <a:ea typeface="+mn-ea"/>
-                <a:cs typeface="+mn-cs"/>
-              </a:defRPr>
-            </a:lvl3pPr>
-            <a:lvl4pPr marL="1600200" indent="-228600" algn="l" defTabSz="914400" rtl="0" eaLnBrk="1" latinLnBrk="0" hangingPunct="1">
-              <a:lnSpc>
-                <a:spcPts val="1800"/>
-              </a:lnSpc>
-              <a:spcBef>
-                <a:spcPts val="1000"/>
-              </a:spcBef>
-              <a:spcAft>
-                <a:spcPts val="1000"/>
-              </a:spcAft>
-              <a:buFont typeface="Arial" panose="020B0604020202020204" pitchFamily="34" charset="0"/>
-              <a:buChar char="•"/>
-              <a:defRPr lang="en-US" sz="1200" kern="1200" smtClean="0">
-                <a:solidFill>
-                  <a:schemeClr val="tx1">
-                    <a:lumMod val="75000"/>
-                    <a:lumOff val="25000"/>
-                  </a:schemeClr>
-                </a:solidFill>
-                <a:latin typeface="+mn-lt"/>
-                <a:ea typeface="+mn-ea"/>
-                <a:cs typeface="+mn-cs"/>
-              </a:defRPr>
-            </a:lvl4pPr>
-            <a:lvl5pPr marL="2057400" indent="-228600" algn="l" defTabSz="914400" rtl="0" eaLnBrk="1" latinLnBrk="0" hangingPunct="1">
-              <a:lnSpc>
-                <a:spcPts val="1800"/>
-              </a:lnSpc>
-              <a:spcBef>
-                <a:spcPts val="1000"/>
-              </a:spcBef>
-              <a:spcAft>
-                <a:spcPts val="1000"/>
-              </a:spcAft>
-              <a:buFont typeface="Arial" panose="020B0604020202020204" pitchFamily="34" charset="0"/>
-              <a:buChar char="•"/>
-              <a:defRPr lang="en-US" sz="1200" kern="1200">
-                <a:solidFill>
-                  <a:schemeClr val="tx1">
-                    <a:lumMod val="75000"/>
-                    <a:lumOff val="25000"/>
-                  </a:schemeClr>
-                </a:solidFill>
-                <a:latin typeface="+mn-lt"/>
-                <a:ea typeface="+mn-ea"/>
-                <a:cs typeface="+mn-cs"/>
-              </a:defRPr>
-            </a:lvl5pPr>
-            <a:lvl6pPr marL="2514600" indent="-228600" algn="l" defTabSz="914400" rtl="0" eaLnBrk="1" latinLnBrk="0" hangingPunct="1">
-              <a:lnSpc>
-                <a:spcPct val="90000"/>
-              </a:lnSpc>
-              <a:spcBef>
-                <a:spcPct val="30000"/>
-              </a:spcBef>
-              <a:buFont typeface="Arial" panose="020B0604020202020204" pitchFamily="34" charset="0"/>
-              <a:buChar char="•"/>
-              <a:defRPr sz="1800" kern="1200">
-                <a:solidFill>
-                  <a:schemeClr val="tx1"/>
-                </a:solidFill>
-                <a:latin typeface="+mn-lt"/>
-                <a:ea typeface="+mn-ea"/>
-                <a:cs typeface="+mn-cs"/>
-              </a:defRPr>
-            </a:lvl6pPr>
-            <a:lvl7pPr marL="2971800" indent="-228600" algn="l" defTabSz="914400" rtl="0" eaLnBrk="1" latinLnBrk="0" hangingPunct="1">
-              <a:lnSpc>
-                <a:spcPct val="90000"/>
-              </a:lnSpc>
-              <a:spcBef>
-                <a:spcPct val="30000"/>
-              </a:spcBef>
-              <a:buFont typeface="Arial" panose="020B0604020202020204" pitchFamily="34" charset="0"/>
-              <a:buChar char="•"/>
-              <a:defRPr sz="1800" kern="1200">
-                <a:solidFill>
-                  <a:schemeClr val="tx1"/>
-                </a:solidFill>
-                <a:latin typeface="+mn-lt"/>
-                <a:ea typeface="+mn-ea"/>
-                <a:cs typeface="+mn-cs"/>
-              </a:defRPr>
-            </a:lvl7pPr>
-            <a:lvl8pPr marL="3429000" indent="-228600" algn="l" defTabSz="914400" rtl="0" eaLnBrk="1" latinLnBrk="0" hangingPunct="1">
-              <a:lnSpc>
-                <a:spcPct val="90000"/>
-              </a:lnSpc>
-              <a:spcBef>
-                <a:spcPct val="30000"/>
-              </a:spcBef>
-              <a:buFont typeface="Arial" panose="020B0604020202020204" pitchFamily="34" charset="0"/>
-              <a:buChar char="•"/>
-              <a:defRPr sz="1800" kern="1200">
-                <a:solidFill>
-                  <a:schemeClr val="tx1"/>
-                </a:solidFill>
-                <a:latin typeface="+mn-lt"/>
-                <a:ea typeface="+mn-ea"/>
-                <a:cs typeface="+mn-cs"/>
-              </a:defRPr>
-            </a:lvl8pPr>
-            <a:lvl9pPr marL="3886200" indent="-228600" algn="l" defTabSz="914400" rtl="0" eaLnBrk="1" latinLnBrk="0" hangingPunct="1">
-              <a:lnSpc>
-                <a:spcPct val="90000"/>
-              </a:lnSpc>
-              <a:spcBef>
-                <a:spcPct val="30000"/>
-              </a:spcBef>
-              <a:buFont typeface="Arial" panose="020B0604020202020204" pitchFamily="34" charset="0"/>
-              <a:buChar char="•"/>
-              <a:defRPr sz="1800" kern="1200">
-                <a:solidFill>
-                  <a:schemeClr val="tx1"/>
-                </a:solidFill>
-                <a:latin typeface="+mn-lt"/>
-                <a:ea typeface="+mn-ea"/>
-                <a:cs typeface="+mn-cs"/>
-              </a:defRPr>
-            </a:lvl9pPr>
-          </a:lstStyle>
-          <a:p>
-            <a:pPr marL="0" indent="0">
-              <a:spcAft>
-                <a:spcPts val="2000"/>
-              </a:spcAft>
-              <a:buNone/>
-            </a:pPr>
-            <a:endParaRPr lang="en-US" sz="1800" dirty="0">
-              <a:latin typeface="Segoe UI" panose="020B0502040204020203" pitchFamily="34" charset="0"/>
-              <a:cs typeface="Segoe UI" panose="020B0502040204020203" pitchFamily="34" charset="0"/>
-            </a:endParaRPr>
-          </a:p>
-        </p:txBody>
-      </p:sp>
-      <p:sp>
-        <p:nvSpPr>
-          <p:cNvPr id="36" name="Content Placeholder 17"/>
-          <p:cNvSpPr txBox="1">
-            <a:spLocks/>
-          </p:cNvSpPr>
-          <p:nvPr/>
-        </p:nvSpPr>
-        <p:spPr>
-          <a:xfrm>
-            <a:off x="667892" y="1550741"/>
-            <a:ext cx="10356444" cy="5147658"/>
-          </a:xfrm>
-          <a:prstGeom prst="rect">
-            <a:avLst/>
-          </a:prstGeom>
-        </p:spPr>
-        <p:txBody>
-          <a:bodyPr vert="horz" lIns="91440" tIns="45720" rIns="91440" bIns="45720" rtlCol="0">
-            <a:noAutofit/>
-          </a:bodyPr>
-          <a:lstStyle>
-            <a:lvl1pPr marL="228600" indent="-228600" algn="l" defTabSz="914400" rtl="0" eaLnBrk="1" latinLnBrk="0" hangingPunct="1">
-              <a:lnSpc>
-                <a:spcPts val="1800"/>
-              </a:lnSpc>
-              <a:spcBef>
-                <a:spcPts val="1000"/>
-              </a:spcBef>
-              <a:spcAft>
-                <a:spcPts val="1000"/>
-              </a:spcAft>
-              <a:buFont typeface="Arial" panose="020B0604020202020204" pitchFamily="34" charset="0"/>
-              <a:buChar char="•"/>
-              <a:defRPr lang="en-US" sz="1200" kern="1200" smtClean="0">
-                <a:solidFill>
-                  <a:schemeClr val="tx1">
-                    <a:lumMod val="75000"/>
-                    <a:lumOff val="25000"/>
-                  </a:schemeClr>
-                </a:solidFill>
-                <a:latin typeface="+mn-lt"/>
-                <a:ea typeface="+mn-ea"/>
-                <a:cs typeface="+mn-cs"/>
-              </a:defRPr>
-            </a:lvl1pPr>
-            <a:lvl2pPr marL="685800" indent="-228600" algn="l" defTabSz="914400" rtl="0" eaLnBrk="1" latinLnBrk="0" hangingPunct="1">
-              <a:lnSpc>
-                <a:spcPts val="1800"/>
-              </a:lnSpc>
-              <a:spcBef>
-                <a:spcPts val="1000"/>
-              </a:spcBef>
-              <a:spcAft>
-                <a:spcPts val="1000"/>
-              </a:spcAft>
-              <a:buFont typeface="Arial" panose="020B0604020202020204" pitchFamily="34" charset="0"/>
-              <a:buChar char="•"/>
-              <a:defRPr lang="en-US" sz="1200" kern="1200" smtClean="0">
-                <a:solidFill>
-                  <a:schemeClr val="tx1">
-                    <a:lumMod val="75000"/>
-                    <a:lumOff val="25000"/>
-                  </a:schemeClr>
-                </a:solidFill>
-                <a:latin typeface="+mn-lt"/>
-                <a:ea typeface="+mn-ea"/>
-                <a:cs typeface="+mn-cs"/>
-              </a:defRPr>
-            </a:lvl2pPr>
-            <a:lvl3pPr marL="1143000" indent="-228600" algn="l" defTabSz="914400" rtl="0" eaLnBrk="1" latinLnBrk="0" hangingPunct="1">
-              <a:lnSpc>
-                <a:spcPts val="1800"/>
-              </a:lnSpc>
-              <a:spcBef>
-                <a:spcPts val="1000"/>
-              </a:spcBef>
-              <a:spcAft>
-                <a:spcPts val="1000"/>
-              </a:spcAft>
-              <a:buFont typeface="Arial" panose="020B0604020202020204" pitchFamily="34" charset="0"/>
-              <a:buChar char="•"/>
-              <a:defRPr lang="en-US" sz="1200" kern="1200" smtClean="0">
-                <a:solidFill>
-                  <a:schemeClr val="tx1">
-                    <a:lumMod val="75000"/>
-                    <a:lumOff val="25000"/>
-                  </a:schemeClr>
-                </a:solidFill>
-                <a:latin typeface="+mn-lt"/>
-                <a:ea typeface="+mn-ea"/>
-                <a:cs typeface="+mn-cs"/>
-              </a:defRPr>
-            </a:lvl3pPr>
-            <a:lvl4pPr marL="1600200" indent="-228600" algn="l" defTabSz="914400" rtl="0" eaLnBrk="1" latinLnBrk="0" hangingPunct="1">
-              <a:lnSpc>
-                <a:spcPts val="1800"/>
-              </a:lnSpc>
-              <a:spcBef>
-                <a:spcPts val="1000"/>
-              </a:spcBef>
-              <a:spcAft>
-                <a:spcPts val="1000"/>
-              </a:spcAft>
-              <a:buFont typeface="Arial" panose="020B0604020202020204" pitchFamily="34" charset="0"/>
-              <a:buChar char="•"/>
-              <a:defRPr lang="en-US" sz="1200" kern="1200" smtClean="0">
-                <a:solidFill>
-                  <a:schemeClr val="tx1">
-                    <a:lumMod val="75000"/>
-                    <a:lumOff val="25000"/>
-                  </a:schemeClr>
-                </a:solidFill>
-                <a:latin typeface="+mn-lt"/>
-                <a:ea typeface="+mn-ea"/>
-                <a:cs typeface="+mn-cs"/>
-              </a:defRPr>
-            </a:lvl4pPr>
-            <a:lvl5pPr marL="2057400" indent="-228600" algn="l" defTabSz="914400" rtl="0" eaLnBrk="1" latinLnBrk="0" hangingPunct="1">
-              <a:lnSpc>
-                <a:spcPts val="1800"/>
-              </a:lnSpc>
-              <a:spcBef>
-                <a:spcPts val="1000"/>
-              </a:spcBef>
-              <a:spcAft>
-                <a:spcPts val="1000"/>
-              </a:spcAft>
-              <a:buFont typeface="Arial" panose="020B0604020202020204" pitchFamily="34" charset="0"/>
-              <a:buChar char="•"/>
-              <a:defRPr lang="en-US" sz="1200" kern="1200">
-                <a:solidFill>
-                  <a:schemeClr val="tx1">
-                    <a:lumMod val="75000"/>
-                    <a:lumOff val="25000"/>
-                  </a:schemeClr>
-                </a:solidFill>
-                <a:latin typeface="+mn-lt"/>
-                <a:ea typeface="+mn-ea"/>
-                <a:cs typeface="+mn-cs"/>
-              </a:defRPr>
-            </a:lvl5pPr>
-            <a:lvl6pPr marL="2514600" indent="-228600" algn="l" defTabSz="914400" rtl="0" eaLnBrk="1" latinLnBrk="0" hangingPunct="1">
-              <a:lnSpc>
-                <a:spcPct val="90000"/>
-              </a:lnSpc>
-              <a:spcBef>
-                <a:spcPct val="30000"/>
-              </a:spcBef>
-              <a:buFont typeface="Arial" panose="020B0604020202020204" pitchFamily="34" charset="0"/>
-              <a:buChar char="•"/>
-              <a:defRPr sz="1800" kern="1200">
-                <a:solidFill>
-                  <a:schemeClr val="tx1"/>
-                </a:solidFill>
-                <a:latin typeface="+mn-lt"/>
-                <a:ea typeface="+mn-ea"/>
-                <a:cs typeface="+mn-cs"/>
-              </a:defRPr>
-            </a:lvl6pPr>
-            <a:lvl7pPr marL="2971800" indent="-228600" algn="l" defTabSz="914400" rtl="0" eaLnBrk="1" latinLnBrk="0" hangingPunct="1">
-              <a:lnSpc>
-                <a:spcPct val="90000"/>
-              </a:lnSpc>
-              <a:spcBef>
-                <a:spcPct val="30000"/>
-              </a:spcBef>
-              <a:buFont typeface="Arial" panose="020B0604020202020204" pitchFamily="34" charset="0"/>
-              <a:buChar char="•"/>
-              <a:defRPr sz="1800" kern="1200">
-                <a:solidFill>
-                  <a:schemeClr val="tx1"/>
-                </a:solidFill>
-                <a:latin typeface="+mn-lt"/>
-                <a:ea typeface="+mn-ea"/>
-                <a:cs typeface="+mn-cs"/>
-              </a:defRPr>
-            </a:lvl7pPr>
-            <a:lvl8pPr marL="3429000" indent="-228600" algn="l" defTabSz="914400" rtl="0" eaLnBrk="1" latinLnBrk="0" hangingPunct="1">
-              <a:lnSpc>
-                <a:spcPct val="90000"/>
-              </a:lnSpc>
-              <a:spcBef>
-                <a:spcPct val="30000"/>
-              </a:spcBef>
-              <a:buFont typeface="Arial" panose="020B0604020202020204" pitchFamily="34" charset="0"/>
-              <a:buChar char="•"/>
-              <a:defRPr sz="1800" kern="1200">
-                <a:solidFill>
-                  <a:schemeClr val="tx1"/>
-                </a:solidFill>
-                <a:latin typeface="+mn-lt"/>
-                <a:ea typeface="+mn-ea"/>
-                <a:cs typeface="+mn-cs"/>
-              </a:defRPr>
-            </a:lvl8pPr>
-            <a:lvl9pPr marL="3886200" indent="-228600" algn="l" defTabSz="914400" rtl="0" eaLnBrk="1" latinLnBrk="0" hangingPunct="1">
-              <a:lnSpc>
-                <a:spcPct val="90000"/>
-              </a:lnSpc>
-              <a:spcBef>
-                <a:spcPct val="30000"/>
-              </a:spcBef>
-              <a:buFont typeface="Arial" panose="020B0604020202020204" pitchFamily="34" charset="0"/>
-              <a:buChar char="•"/>
-              <a:defRPr sz="1800" kern="1200">
-                <a:solidFill>
-                  <a:schemeClr val="tx1"/>
-                </a:solidFill>
-                <a:latin typeface="+mn-lt"/>
-                <a:ea typeface="+mn-ea"/>
-                <a:cs typeface="+mn-cs"/>
-              </a:defRPr>
-            </a:lvl9pPr>
-          </a:lstStyle>
-          <a:p>
-            <a:pPr marL="457200" lvl="1" indent="0">
-              <a:lnSpc>
-                <a:spcPts val="3000"/>
-              </a:lnSpc>
-              <a:buNone/>
-            </a:pPr>
-            <a:r>
-              <a:rPr lang="en-GB" sz="3800" dirty="0">
-                <a:solidFill>
-                  <a:schemeClr val="bg2">
-                    <a:lumMod val="25000"/>
-                  </a:schemeClr>
-                </a:solidFill>
-                <a:latin typeface="Segoe UI Light" panose="020B0502040204020203" pitchFamily="34" charset="0"/>
-                <a:cs typeface="Segoe UI Light" panose="020B0502040204020203" pitchFamily="34" charset="0"/>
-                <a:hlinkClick r:id="rId2">
-                  <a:extLst>
-                    <a:ext uri="{A12FA001-AC4F-418D-AE19-62706E023703}">
-                      <ahyp:hlinkClr xmlns:ahyp="http://schemas.microsoft.com/office/drawing/2018/hyperlinkcolor" val="tx"/>
-                    </a:ext>
-                  </a:extLst>
-                </a:hlinkClick>
-              </a:rPr>
-              <a:t>https://www.webcomponents.org/</a:t>
-            </a:r>
-            <a:r>
-              <a:rPr lang="en-GB" sz="3800" dirty="0">
-                <a:solidFill>
-                  <a:schemeClr val="bg2">
-                    <a:lumMod val="25000"/>
-                  </a:schemeClr>
-                </a:solidFill>
-                <a:latin typeface="Segoe UI Light" panose="020B0502040204020203" pitchFamily="34" charset="0"/>
-                <a:cs typeface="Segoe UI Light" panose="020B0502040204020203" pitchFamily="34" charset="0"/>
-              </a:rPr>
-              <a:t> </a:t>
-            </a:r>
-          </a:p>
-          <a:p>
-            <a:pPr marL="457200" lvl="1" indent="0">
-              <a:lnSpc>
-                <a:spcPts val="3000"/>
-              </a:lnSpc>
-              <a:buNone/>
-            </a:pPr>
-            <a:r>
-              <a:rPr lang="en-GB" sz="3800" dirty="0">
-                <a:solidFill>
-                  <a:schemeClr val="bg2">
-                    <a:lumMod val="25000"/>
-                  </a:schemeClr>
-                </a:solidFill>
-                <a:latin typeface="Segoe UI Light" panose="020B0502040204020203" pitchFamily="34" charset="0"/>
-                <a:cs typeface="Segoe UI Light" panose="020B0502040204020203" pitchFamily="34" charset="0"/>
-              </a:rPr>
-              <a:t>- main reference site</a:t>
-            </a:r>
-          </a:p>
-          <a:p>
-            <a:pPr marL="457200" lvl="1" indent="0">
-              <a:lnSpc>
-                <a:spcPts val="3000"/>
-              </a:lnSpc>
-              <a:buNone/>
-            </a:pPr>
-            <a:r>
-              <a:rPr lang="en-GB" sz="3800" dirty="0">
-                <a:solidFill>
-                  <a:schemeClr val="bg2">
-                    <a:lumMod val="25000"/>
-                  </a:schemeClr>
-                </a:solidFill>
-                <a:latin typeface="Segoe UI Light" panose="020B0502040204020203" pitchFamily="34" charset="0"/>
-                <a:cs typeface="Segoe UI Light" panose="020B0502040204020203" pitchFamily="34" charset="0"/>
-                <a:hlinkClick r:id="rId3">
-                  <a:extLst>
-                    <a:ext uri="{A12FA001-AC4F-418D-AE19-62706E023703}">
-                      <ahyp:hlinkClr xmlns:ahyp="http://schemas.microsoft.com/office/drawing/2018/hyperlinkcolor" val="tx"/>
-                    </a:ext>
-                  </a:extLst>
-                </a:hlinkClick>
-              </a:rPr>
-              <a:t>https://custom-elements-everywhere.com/</a:t>
-            </a:r>
-            <a:r>
-              <a:rPr lang="en-GB" sz="3800" dirty="0">
-                <a:solidFill>
-                  <a:schemeClr val="bg2">
-                    <a:lumMod val="25000"/>
-                  </a:schemeClr>
-                </a:solidFill>
-                <a:latin typeface="Segoe UI Light" panose="020B0502040204020203" pitchFamily="34" charset="0"/>
-                <a:cs typeface="Segoe UI Light" panose="020B0502040204020203" pitchFamily="34" charset="0"/>
-              </a:rPr>
-              <a:t> </a:t>
-            </a:r>
-          </a:p>
-          <a:p>
-            <a:pPr marL="457200" lvl="1" indent="0">
-              <a:lnSpc>
-                <a:spcPts val="3500"/>
-              </a:lnSpc>
-              <a:buNone/>
-            </a:pPr>
-            <a:r>
-              <a:rPr lang="en-GB" sz="3800" dirty="0">
-                <a:solidFill>
-                  <a:schemeClr val="bg2">
-                    <a:lumMod val="25000"/>
-                  </a:schemeClr>
-                </a:solidFill>
-                <a:latin typeface="Segoe UI Light" panose="020B0502040204020203" pitchFamily="34" charset="0"/>
-                <a:cs typeface="Segoe UI Light" panose="020B0502040204020203" pitchFamily="34" charset="0"/>
-              </a:rPr>
-              <a:t>(Making sure frameworks and custom elements can be BFFs )</a:t>
-            </a:r>
-          </a:p>
-          <a:p>
-            <a:pPr marL="457200" lvl="1" indent="0">
-              <a:lnSpc>
-                <a:spcPts val="3000"/>
-              </a:lnSpc>
-              <a:buNone/>
-            </a:pPr>
-            <a:r>
-              <a:rPr lang="en-GB" sz="3800" dirty="0">
-                <a:solidFill>
-                  <a:schemeClr val="bg2">
-                    <a:lumMod val="25000"/>
-                  </a:schemeClr>
-                </a:solidFill>
-                <a:latin typeface="Segoe UI Light" panose="020B0502040204020203" pitchFamily="34" charset="0"/>
-                <a:cs typeface="Segoe UI Light" panose="020B0502040204020203" pitchFamily="34" charset="0"/>
-                <a:hlinkClick r:id="rId4">
-                  <a:extLst>
-                    <a:ext uri="{A12FA001-AC4F-418D-AE19-62706E023703}">
-                      <ahyp:hlinkClr xmlns:ahyp="http://schemas.microsoft.com/office/drawing/2018/hyperlinkcolor" val="tx"/>
-                    </a:ext>
-                  </a:extLst>
-                </a:hlinkClick>
-              </a:rPr>
-              <a:t>https://webcomponents.dev/</a:t>
-            </a:r>
-            <a:r>
-              <a:rPr lang="en-GB" sz="3800" dirty="0">
-                <a:solidFill>
-                  <a:schemeClr val="bg2">
-                    <a:lumMod val="25000"/>
-                  </a:schemeClr>
-                </a:solidFill>
-                <a:latin typeface="Segoe UI Light" panose="020B0502040204020203" pitchFamily="34" charset="0"/>
-                <a:cs typeface="Segoe UI Light" panose="020B0502040204020203" pitchFamily="34" charset="0"/>
-              </a:rPr>
-              <a:t> </a:t>
-            </a:r>
-          </a:p>
-          <a:p>
-            <a:pPr lvl="1">
-              <a:lnSpc>
-                <a:spcPts val="3000"/>
-              </a:lnSpc>
-              <a:buFontTx/>
-              <a:buChar char="-"/>
-            </a:pPr>
-            <a:r>
-              <a:rPr lang="en-GB" sz="3800" dirty="0">
-                <a:solidFill>
-                  <a:schemeClr val="bg2">
-                    <a:lumMod val="25000"/>
-                  </a:schemeClr>
-                </a:solidFill>
-                <a:latin typeface="Segoe UI Light" panose="020B0502040204020203" pitchFamily="34" charset="0"/>
-                <a:cs typeface="Segoe UI Light" panose="020B0502040204020203" pitchFamily="34" charset="0"/>
-              </a:rPr>
-              <a:t>over 40 libraries and compilers </a:t>
-            </a:r>
-          </a:p>
-          <a:p>
-            <a:pPr marL="457200" lvl="1" indent="0">
-              <a:lnSpc>
-                <a:spcPts val="3000"/>
-              </a:lnSpc>
-              <a:buNone/>
-            </a:pPr>
-            <a:r>
-              <a:rPr lang="en-GB" sz="3800" i="1" dirty="0">
-                <a:solidFill>
-                  <a:schemeClr val="bg2">
-                    <a:lumMod val="25000"/>
-                  </a:schemeClr>
-                </a:solidFill>
-                <a:latin typeface="Segoe UI Light" panose="020B0502040204020203" pitchFamily="34" charset="0"/>
-                <a:cs typeface="Segoe UI Light" panose="020B0502040204020203" pitchFamily="34" charset="0"/>
-              </a:rPr>
-              <a:t>let’s see them…</a:t>
-            </a:r>
-          </a:p>
-          <a:p>
-            <a:pPr lvl="1">
-              <a:lnSpc>
-                <a:spcPts val="4000"/>
-              </a:lnSpc>
-            </a:pPr>
-            <a:endParaRPr lang="en-GB" sz="3800" dirty="0">
-              <a:solidFill>
-                <a:schemeClr val="bg2">
-                  <a:lumMod val="25000"/>
-                </a:schemeClr>
-              </a:solidFill>
-              <a:latin typeface="Segoe UI Light" panose="020B0502040204020203" pitchFamily="34" charset="0"/>
-              <a:cs typeface="Segoe UI Light" panose="020B0502040204020203" pitchFamily="34" charset="0"/>
-            </a:endParaRPr>
-          </a:p>
-          <a:p>
-            <a:pPr marL="0" lvl="0" indent="0">
-              <a:spcBef>
-                <a:spcPct val="0"/>
-              </a:spcBef>
-              <a:spcAft>
-                <a:spcPts val="2000"/>
-              </a:spcAft>
-              <a:buNone/>
-              <a:defRPr/>
-            </a:pPr>
-            <a:endParaRPr lang="en-US" sz="3800" dirty="0">
-              <a:solidFill>
-                <a:schemeClr val="bg2">
-                  <a:lumMod val="25000"/>
-                </a:schemeClr>
-              </a:solidFill>
-              <a:latin typeface="Segoe UI Light" panose="020B0502040204020203" pitchFamily="34" charset="0"/>
-              <a:cs typeface="Segoe UI Light" panose="020B0502040204020203" pitchFamily="34" charset="0"/>
-            </a:endParaRPr>
-          </a:p>
-        </p:txBody>
-      </p:sp>
-    </p:spTree>
-    <p:extLst>
-      <p:ext uri="{BB962C8B-B14F-4D97-AF65-F5344CB8AC3E}">
-        <p14:creationId xmlns:p14="http://schemas.microsoft.com/office/powerpoint/2010/main" val="2661540520"/>
-      </p:ext>
-    </p:extLst>
-  </p:cSld>
-  <p:clrMapOvr>
-    <a:masterClrMapping/>
-  </p:clrMapOvr>
-</p:sld>
-</file>
-
-<file path=ppt/slides/slide27.xml><?xml version="1.0" encoding="utf-8"?>
-<p:sld xmlns:a="http://schemas.openxmlformats.org/drawingml/2006/main" xmlns:r="http://schemas.openxmlformats.org/officeDocument/2006/relationships" xmlns:p="http://schemas.openxmlformats.org/presentationml/2006/main">
-  <p:cSld>
-    <p:spTree>
-      <p:nvGrpSpPr>
-        <p:cNvPr id="1" name=""/>
-        <p:cNvGrpSpPr/>
-        <p:nvPr/>
-      </p:nvGrpSpPr>
-      <p:grpSpPr>
-        <a:xfrm>
-          <a:off x="0" y="0"/>
-          <a:ext cx="0" cy="0"/>
-          <a:chOff x="0" y="0"/>
-          <a:chExt cx="0" cy="0"/>
-        </a:xfrm>
-      </p:grpSpPr>
-      <p:sp>
-        <p:nvSpPr>
-          <p:cNvPr id="4" name="Title 3"/>
-          <p:cNvSpPr>
-            <a:spLocks noGrp="1"/>
-          </p:cNvSpPr>
-          <p:nvPr>
-            <p:ph type="title"/>
-          </p:nvPr>
-        </p:nvSpPr>
-        <p:spPr>
-          <a:xfrm>
-            <a:off x="541609" y="426301"/>
-            <a:ext cx="8578726" cy="749992"/>
-          </a:xfrm>
-        </p:spPr>
-        <p:txBody>
-          <a:bodyPr>
-            <a:noAutofit/>
-          </a:bodyPr>
-          <a:lstStyle/>
-          <a:p>
-            <a:r>
-              <a:rPr lang="en-US" sz="4000" dirty="0">
-                <a:latin typeface="Segoe UI Light" panose="020B0502040204020203" pitchFamily="34" charset="0"/>
-                <a:cs typeface="Segoe UI Light" panose="020B0502040204020203" pitchFamily="34" charset="0"/>
-              </a:rPr>
               <a:t>Who uses Web Components?</a:t>
             </a:r>
           </a:p>
@@ -15075,6 +14332,388 @@
 </p:sld>
 </file>
 
+<file path=ppt/slides/slide27.xml><?xml version="1.0" encoding="utf-8"?>
+<p:sld xmlns:a="http://schemas.openxmlformats.org/drawingml/2006/main" xmlns:r="http://schemas.openxmlformats.org/officeDocument/2006/relationships" xmlns:p="http://schemas.openxmlformats.org/presentationml/2006/main">
+  <p:cSld>
+    <p:spTree>
+      <p:nvGrpSpPr>
+        <p:cNvPr id="1" name=""/>
+        <p:cNvGrpSpPr/>
+        <p:nvPr/>
+      </p:nvGrpSpPr>
+      <p:grpSpPr>
+        <a:xfrm>
+          <a:off x="0" y="0"/>
+          <a:ext cx="0" cy="0"/>
+          <a:chOff x="0" y="0"/>
+          <a:chExt cx="0" cy="0"/>
+        </a:xfrm>
+      </p:grpSpPr>
+      <p:sp>
+        <p:nvSpPr>
+          <p:cNvPr id="4" name="Title 3"/>
+          <p:cNvSpPr>
+            <a:spLocks noGrp="1"/>
+          </p:cNvSpPr>
+          <p:nvPr>
+            <p:ph type="title"/>
+          </p:nvPr>
+        </p:nvSpPr>
+        <p:spPr>
+          <a:xfrm>
+            <a:off x="541609" y="426301"/>
+            <a:ext cx="8578726" cy="749992"/>
+          </a:xfrm>
+        </p:spPr>
+        <p:txBody>
+          <a:bodyPr>
+            <a:noAutofit/>
+          </a:bodyPr>
+          <a:lstStyle/>
+          <a:p>
+            <a:r>
+              <a:rPr lang="en-US" sz="4000" dirty="0">
+                <a:latin typeface="Segoe UI Light" panose="020B0502040204020203" pitchFamily="34" charset="0"/>
+                <a:cs typeface="Segoe UI Light" panose="020B0502040204020203" pitchFamily="34" charset="0"/>
+              </a:rPr>
+              <a:t>Types of Web Components</a:t>
+            </a:r>
+          </a:p>
+        </p:txBody>
+      </p:sp>
+      <p:sp>
+        <p:nvSpPr>
+          <p:cNvPr id="25" name="Content Placeholder 17"/>
+          <p:cNvSpPr txBox="1">
+            <a:spLocks/>
+          </p:cNvSpPr>
+          <p:nvPr/>
+        </p:nvSpPr>
+        <p:spPr>
+          <a:xfrm>
+            <a:off x="678427" y="1330374"/>
+            <a:ext cx="5110161" cy="471149"/>
+          </a:xfrm>
+          <a:prstGeom prst="rect">
+            <a:avLst/>
+          </a:prstGeom>
+        </p:spPr>
+        <p:txBody>
+          <a:bodyPr vert="horz" lIns="91440" tIns="45720" rIns="91440" bIns="45720" rtlCol="0">
+            <a:normAutofit/>
+          </a:bodyPr>
+          <a:lstStyle>
+            <a:lvl1pPr marL="228600" indent="-228600" algn="l" defTabSz="914400" rtl="0" eaLnBrk="1" latinLnBrk="0" hangingPunct="1">
+              <a:lnSpc>
+                <a:spcPts val="1800"/>
+              </a:lnSpc>
+              <a:spcBef>
+                <a:spcPts val="1000"/>
+              </a:spcBef>
+              <a:spcAft>
+                <a:spcPts val="1000"/>
+              </a:spcAft>
+              <a:buFont typeface="Arial" panose="020B0604020202020204" pitchFamily="34" charset="0"/>
+              <a:buChar char="•"/>
+              <a:defRPr lang="en-US" sz="1200" kern="1200" smtClean="0">
+                <a:solidFill>
+                  <a:schemeClr val="tx1">
+                    <a:lumMod val="75000"/>
+                    <a:lumOff val="25000"/>
+                  </a:schemeClr>
+                </a:solidFill>
+                <a:latin typeface="+mn-lt"/>
+                <a:ea typeface="+mn-ea"/>
+                <a:cs typeface="+mn-cs"/>
+              </a:defRPr>
+            </a:lvl1pPr>
+            <a:lvl2pPr marL="685800" indent="-228600" algn="l" defTabSz="914400" rtl="0" eaLnBrk="1" latinLnBrk="0" hangingPunct="1">
+              <a:lnSpc>
+                <a:spcPts val="1800"/>
+              </a:lnSpc>
+              <a:spcBef>
+                <a:spcPts val="1000"/>
+              </a:spcBef>
+              <a:spcAft>
+                <a:spcPts val="1000"/>
+              </a:spcAft>
+              <a:buFont typeface="Arial" panose="020B0604020202020204" pitchFamily="34" charset="0"/>
+              <a:buChar char="•"/>
+              <a:defRPr lang="en-US" sz="1200" kern="1200" smtClean="0">
+                <a:solidFill>
+                  <a:schemeClr val="tx1">
+                    <a:lumMod val="75000"/>
+                    <a:lumOff val="25000"/>
+                  </a:schemeClr>
+                </a:solidFill>
+                <a:latin typeface="+mn-lt"/>
+                <a:ea typeface="+mn-ea"/>
+                <a:cs typeface="+mn-cs"/>
+              </a:defRPr>
+            </a:lvl2pPr>
+            <a:lvl3pPr marL="1143000" indent="-228600" algn="l" defTabSz="914400" rtl="0" eaLnBrk="1" latinLnBrk="0" hangingPunct="1">
+              <a:lnSpc>
+                <a:spcPts val="1800"/>
+              </a:lnSpc>
+              <a:spcBef>
+                <a:spcPts val="1000"/>
+              </a:spcBef>
+              <a:spcAft>
+                <a:spcPts val="1000"/>
+              </a:spcAft>
+              <a:buFont typeface="Arial" panose="020B0604020202020204" pitchFamily="34" charset="0"/>
+              <a:buChar char="•"/>
+              <a:defRPr lang="en-US" sz="1200" kern="1200" smtClean="0">
+                <a:solidFill>
+                  <a:schemeClr val="tx1">
+                    <a:lumMod val="75000"/>
+                    <a:lumOff val="25000"/>
+                  </a:schemeClr>
+                </a:solidFill>
+                <a:latin typeface="+mn-lt"/>
+                <a:ea typeface="+mn-ea"/>
+                <a:cs typeface="+mn-cs"/>
+              </a:defRPr>
+            </a:lvl3pPr>
+            <a:lvl4pPr marL="1600200" indent="-228600" algn="l" defTabSz="914400" rtl="0" eaLnBrk="1" latinLnBrk="0" hangingPunct="1">
+              <a:lnSpc>
+                <a:spcPts val="1800"/>
+              </a:lnSpc>
+              <a:spcBef>
+                <a:spcPts val="1000"/>
+              </a:spcBef>
+              <a:spcAft>
+                <a:spcPts val="1000"/>
+              </a:spcAft>
+              <a:buFont typeface="Arial" panose="020B0604020202020204" pitchFamily="34" charset="0"/>
+              <a:buChar char="•"/>
+              <a:defRPr lang="en-US" sz="1200" kern="1200" smtClean="0">
+                <a:solidFill>
+                  <a:schemeClr val="tx1">
+                    <a:lumMod val="75000"/>
+                    <a:lumOff val="25000"/>
+                  </a:schemeClr>
+                </a:solidFill>
+                <a:latin typeface="+mn-lt"/>
+                <a:ea typeface="+mn-ea"/>
+                <a:cs typeface="+mn-cs"/>
+              </a:defRPr>
+            </a:lvl4pPr>
+            <a:lvl5pPr marL="2057400" indent="-228600" algn="l" defTabSz="914400" rtl="0" eaLnBrk="1" latinLnBrk="0" hangingPunct="1">
+              <a:lnSpc>
+                <a:spcPts val="1800"/>
+              </a:lnSpc>
+              <a:spcBef>
+                <a:spcPts val="1000"/>
+              </a:spcBef>
+              <a:spcAft>
+                <a:spcPts val="1000"/>
+              </a:spcAft>
+              <a:buFont typeface="Arial" panose="020B0604020202020204" pitchFamily="34" charset="0"/>
+              <a:buChar char="•"/>
+              <a:defRPr lang="en-US" sz="1200" kern="1200">
+                <a:solidFill>
+                  <a:schemeClr val="tx1">
+                    <a:lumMod val="75000"/>
+                    <a:lumOff val="25000"/>
+                  </a:schemeClr>
+                </a:solidFill>
+                <a:latin typeface="+mn-lt"/>
+                <a:ea typeface="+mn-ea"/>
+                <a:cs typeface="+mn-cs"/>
+              </a:defRPr>
+            </a:lvl5pPr>
+            <a:lvl6pPr marL="2514600" indent="-228600" algn="l" defTabSz="914400" rtl="0" eaLnBrk="1" latinLnBrk="0" hangingPunct="1">
+              <a:lnSpc>
+                <a:spcPct val="90000"/>
+              </a:lnSpc>
+              <a:spcBef>
+                <a:spcPct val="30000"/>
+              </a:spcBef>
+              <a:buFont typeface="Arial" panose="020B0604020202020204" pitchFamily="34" charset="0"/>
+              <a:buChar char="•"/>
+              <a:defRPr sz="1800" kern="1200">
+                <a:solidFill>
+                  <a:schemeClr val="tx1"/>
+                </a:solidFill>
+                <a:latin typeface="+mn-lt"/>
+                <a:ea typeface="+mn-ea"/>
+                <a:cs typeface="+mn-cs"/>
+              </a:defRPr>
+            </a:lvl6pPr>
+            <a:lvl7pPr marL="2971800" indent="-228600" algn="l" defTabSz="914400" rtl="0" eaLnBrk="1" latinLnBrk="0" hangingPunct="1">
+              <a:lnSpc>
+                <a:spcPct val="90000"/>
+              </a:lnSpc>
+              <a:spcBef>
+                <a:spcPct val="30000"/>
+              </a:spcBef>
+              <a:buFont typeface="Arial" panose="020B0604020202020204" pitchFamily="34" charset="0"/>
+              <a:buChar char="•"/>
+              <a:defRPr sz="1800" kern="1200">
+                <a:solidFill>
+                  <a:schemeClr val="tx1"/>
+                </a:solidFill>
+                <a:latin typeface="+mn-lt"/>
+                <a:ea typeface="+mn-ea"/>
+                <a:cs typeface="+mn-cs"/>
+              </a:defRPr>
+            </a:lvl7pPr>
+            <a:lvl8pPr marL="3429000" indent="-228600" algn="l" defTabSz="914400" rtl="0" eaLnBrk="1" latinLnBrk="0" hangingPunct="1">
+              <a:lnSpc>
+                <a:spcPct val="90000"/>
+              </a:lnSpc>
+              <a:spcBef>
+                <a:spcPct val="30000"/>
+              </a:spcBef>
+              <a:buFont typeface="Arial" panose="020B0604020202020204" pitchFamily="34" charset="0"/>
+              <a:buChar char="•"/>
+              <a:defRPr sz="1800" kern="1200">
+                <a:solidFill>
+                  <a:schemeClr val="tx1"/>
+                </a:solidFill>
+                <a:latin typeface="+mn-lt"/>
+                <a:ea typeface="+mn-ea"/>
+                <a:cs typeface="+mn-cs"/>
+              </a:defRPr>
+            </a:lvl8pPr>
+            <a:lvl9pPr marL="3886200" indent="-228600" algn="l" defTabSz="914400" rtl="0" eaLnBrk="1" latinLnBrk="0" hangingPunct="1">
+              <a:lnSpc>
+                <a:spcPct val="90000"/>
+              </a:lnSpc>
+              <a:spcBef>
+                <a:spcPct val="30000"/>
+              </a:spcBef>
+              <a:buFont typeface="Arial" panose="020B0604020202020204" pitchFamily="34" charset="0"/>
+              <a:buChar char="•"/>
+              <a:defRPr sz="1800" kern="1200">
+                <a:solidFill>
+                  <a:schemeClr val="tx1"/>
+                </a:solidFill>
+                <a:latin typeface="+mn-lt"/>
+                <a:ea typeface="+mn-ea"/>
+                <a:cs typeface="+mn-cs"/>
+              </a:defRPr>
+            </a:lvl9pPr>
+          </a:lstStyle>
+          <a:p>
+            <a:pPr marL="0" indent="0">
+              <a:spcAft>
+                <a:spcPts val="2000"/>
+              </a:spcAft>
+              <a:buNone/>
+            </a:pPr>
+            <a:endParaRPr lang="en-US" sz="1800" dirty="0">
+              <a:latin typeface="Segoe UI" panose="020B0502040204020203" pitchFamily="34" charset="0"/>
+              <a:cs typeface="Segoe UI" panose="020B0502040204020203" pitchFamily="34" charset="0"/>
+            </a:endParaRPr>
+          </a:p>
+        </p:txBody>
+      </p:sp>
+      <p:sp>
+        <p:nvSpPr>
+          <p:cNvPr id="8" name="TextBox 7">
+            <a:extLst>
+              <a:ext uri="{FF2B5EF4-FFF2-40B4-BE49-F238E27FC236}">
+                <a16:creationId xmlns:a16="http://schemas.microsoft.com/office/drawing/2014/main" id="{D4329088-EA16-420B-B145-A30265C6D3B4}"/>
+              </a:ext>
+            </a:extLst>
+          </p:cNvPr>
+          <p:cNvSpPr txBox="1"/>
+          <p:nvPr/>
+        </p:nvSpPr>
+        <p:spPr>
+          <a:xfrm>
+            <a:off x="541609" y="1691065"/>
+            <a:ext cx="10971964" cy="3600986"/>
+          </a:xfrm>
+          <a:prstGeom prst="rect">
+            <a:avLst/>
+          </a:prstGeom>
+          <a:noFill/>
+        </p:spPr>
+        <p:txBody>
+          <a:bodyPr wrap="square">
+            <a:spAutoFit/>
+          </a:bodyPr>
+          <a:lstStyle/>
+          <a:p>
+            <a:pPr marL="457200" lvl="1" indent="0">
+              <a:buNone/>
+            </a:pPr>
+            <a:r>
+              <a:rPr lang="en-GB" sz="3800" dirty="0">
+                <a:solidFill>
+                  <a:schemeClr val="bg2">
+                    <a:lumMod val="25000"/>
+                  </a:schemeClr>
+                </a:solidFill>
+                <a:latin typeface="Segoe UI Light" panose="020B0502040204020203" pitchFamily="34" charset="0"/>
+                <a:cs typeface="Segoe UI Light" panose="020B0502040204020203" pitchFamily="34" charset="0"/>
+              </a:rPr>
+              <a:t>These are only limited by JS.</a:t>
+            </a:r>
+          </a:p>
+          <a:p>
+            <a:pPr marL="457200" lvl="1" indent="0">
+              <a:buNone/>
+            </a:pPr>
+            <a:endParaRPr lang="en-GB" sz="3800" dirty="0">
+              <a:solidFill>
+                <a:schemeClr val="bg2">
+                  <a:lumMod val="25000"/>
+                </a:schemeClr>
+              </a:solidFill>
+              <a:latin typeface="Segoe UI Light" panose="020B0502040204020203" pitchFamily="34" charset="0"/>
+              <a:cs typeface="Segoe UI Light" panose="020B0502040204020203" pitchFamily="34" charset="0"/>
+            </a:endParaRPr>
+          </a:p>
+          <a:p>
+            <a:pPr marL="457200" lvl="1" indent="0">
+              <a:buNone/>
+            </a:pPr>
+            <a:r>
+              <a:rPr lang="en-GB" sz="3800" dirty="0">
+                <a:solidFill>
+                  <a:schemeClr val="bg2">
+                    <a:lumMod val="25000"/>
+                  </a:schemeClr>
+                </a:solidFill>
+                <a:latin typeface="Segoe UI Light" panose="020B0502040204020203" pitchFamily="34" charset="0"/>
+                <a:cs typeface="Segoe UI Light" panose="020B0502040204020203" pitchFamily="34" charset="0"/>
+              </a:rPr>
+              <a:t>We will look at couple of UI components and many more highly functional components that have built in functionality…</a:t>
+            </a:r>
+          </a:p>
+          <a:p>
+            <a:pPr marL="457200" lvl="1" indent="0">
+              <a:buNone/>
+            </a:pPr>
+            <a:endParaRPr lang="en-GB" sz="3800" dirty="0">
+              <a:solidFill>
+                <a:schemeClr val="bg2">
+                  <a:lumMod val="25000"/>
+                </a:schemeClr>
+              </a:solidFill>
+              <a:latin typeface="Segoe UI Light" panose="020B0502040204020203" pitchFamily="34" charset="0"/>
+              <a:cs typeface="Segoe UI Light" panose="020B0502040204020203" pitchFamily="34" charset="0"/>
+            </a:endParaRPr>
+          </a:p>
+        </p:txBody>
+      </p:sp>
+    </p:spTree>
+    <p:extLst>
+      <p:ext uri="{BB962C8B-B14F-4D97-AF65-F5344CB8AC3E}">
+        <p14:creationId xmlns:p14="http://schemas.microsoft.com/office/powerpoint/2010/main" val="2010978496"/>
+      </p:ext>
+    </p:extLst>
+  </p:cSld>
+  <p:clrMapOvr>
+    <a:masterClrMapping/>
+  </p:clrMapOvr>
+</p:sld>
+</file>
+
 <file path=ppt/slides/slide28.xml><?xml version="1.0" encoding="utf-8"?>
 <p:sld xmlns:a="http://schemas.openxmlformats.org/drawingml/2006/main" xmlns:r="http://schemas.openxmlformats.org/officeDocument/2006/relationships" xmlns:p="http://schemas.openxmlformats.org/presentationml/2006/main">
   <p:cSld>
@@ -15134,7 +14773,7 @@
         </p:nvSpPr>
         <p:spPr>
           <a:xfrm>
-            <a:off x="678427" y="1330374"/>
+            <a:off x="541609" y="1455491"/>
             <a:ext cx="5110161" cy="471149"/>
           </a:xfrm>
           <a:prstGeom prst="rect">
@@ -15367,8 +15006,8 @@
         </p:nvSpPr>
         <p:spPr>
           <a:xfrm>
-            <a:off x="541609" y="1691065"/>
-            <a:ext cx="10971964" cy="3600986"/>
+            <a:off x="541609" y="1012639"/>
+            <a:ext cx="10971964" cy="6524863"/>
           </a:xfrm>
           <a:prstGeom prst="rect">
             <a:avLst/>
@@ -15380,23 +15019,6 @@
             <a:spAutoFit/>
           </a:bodyPr>
           <a:lstStyle/>
-          <a:p>
-            <a:pPr marL="457200" lvl="1" indent="0">
-              <a:buNone/>
-            </a:pPr>
-            <a:r>
-              <a:rPr lang="en-GB" sz="3800" dirty="0">
-                <a:solidFill>
-                  <a:schemeClr val="bg2">
-                    <a:lumMod val="25000"/>
-                  </a:schemeClr>
-                </a:solidFill>
-                <a:latin typeface="Segoe UI Light" panose="020B0502040204020203" pitchFamily="34" charset="0"/>
-                <a:cs typeface="Segoe UI Light" panose="020B0502040204020203" pitchFamily="34" charset="0"/>
-              </a:rPr>
-              <a:t>These are only limited by JS.</a:t>
-            </a:r>
-          </a:p>
           <a:p>
             <a:pPr marL="457200" lvl="1" indent="0">
               <a:buNone/>
@@ -15412,8 +15034,9 @@
             </a:endParaRPr>
           </a:p>
           <a:p>
-            <a:pPr marL="457200" lvl="1" indent="0">
-              <a:buNone/>
+            <a:pPr marL="1028700" lvl="1" indent="-571500">
+              <a:buFont typeface="Arial" panose="020B0604020202020204" pitchFamily="34" charset="0"/>
+              <a:buChar char="•"/>
             </a:pPr>
             <a:r>
               <a:rPr lang="en-GB" sz="3800" dirty="0">
@@ -15425,7 +15048,79 @@
                 <a:latin typeface="Segoe UI Light" panose="020B0502040204020203" pitchFamily="34" charset="0"/>
                 <a:cs typeface="Segoe UI Light" panose="020B0502040204020203" pitchFamily="34" charset="0"/>
               </a:rPr>
-              <a:t>We will look at couple of UI components and many more highly functional components that have built in functionality…</a:t>
+              <a:t>Fetch requests.</a:t>
+            </a:r>
+          </a:p>
+          <a:p>
+            <a:pPr marL="1028700" lvl="1" indent="-571500">
+              <a:buFont typeface="Arial" panose="020B0604020202020204" pitchFamily="34" charset="0"/>
+              <a:buChar char="•"/>
+            </a:pPr>
+            <a:r>
+              <a:rPr lang="en-GB" sz="3800" dirty="0">
+                <a:solidFill>
+                  <a:schemeClr val="bg2">
+                    <a:lumMod val="25000"/>
+                  </a:schemeClr>
+                </a:solidFill>
+                <a:latin typeface="Segoe UI Light" panose="020B0502040204020203" pitchFamily="34" charset="0"/>
+                <a:cs typeface="Segoe UI Light" panose="020B0502040204020203" pitchFamily="34" charset="0"/>
+              </a:rPr>
+              <a:t>Lazy loading and dynamic loading (scripts/components).</a:t>
+            </a:r>
+          </a:p>
+          <a:p>
+            <a:pPr marL="1028700" lvl="1" indent="-571500">
+              <a:buFont typeface="Arial" panose="020B0604020202020204" pitchFamily="34" charset="0"/>
+              <a:buChar char="•"/>
+            </a:pPr>
+            <a:r>
+              <a:rPr lang="en-GB" sz="3800" dirty="0">
+                <a:solidFill>
+                  <a:schemeClr val="bg2">
+                    <a:lumMod val="25000"/>
+                  </a:schemeClr>
+                </a:solidFill>
+                <a:latin typeface="Segoe UI Light" panose="020B0502040204020203" pitchFamily="34" charset="0"/>
+                <a:cs typeface="Segoe UI Light" panose="020B0502040204020203" pitchFamily="34" charset="0"/>
+              </a:rPr>
+              <a:t>Storing JSON in IndexedDB and rendering it via templates.</a:t>
+            </a:r>
+          </a:p>
+          <a:p>
+            <a:pPr marL="1028700" lvl="1" indent="-571500">
+              <a:buFont typeface="Arial" panose="020B0604020202020204" pitchFamily="34" charset="0"/>
+              <a:buChar char="•"/>
+            </a:pPr>
+            <a:r>
+              <a:rPr lang="en-GB" sz="3800" dirty="0">
+                <a:solidFill>
+                  <a:schemeClr val="bg2">
+                    <a:lumMod val="25000"/>
+                  </a:schemeClr>
+                </a:solidFill>
+                <a:latin typeface="Segoe UI Light" panose="020B0502040204020203" pitchFamily="34" charset="0"/>
+                <a:cs typeface="Segoe UI Light" panose="020B0502040204020203" pitchFamily="34" charset="0"/>
+              </a:rPr>
+              <a:t>Authentication and storage of JSON Web Tokens.</a:t>
+            </a:r>
+          </a:p>
+          <a:p>
+            <a:pPr marL="1028700" lvl="1" indent="-571500">
+              <a:buFont typeface="Arial" panose="020B0604020202020204" pitchFamily="34" charset="0"/>
+              <a:buChar char="•"/>
+            </a:pPr>
+            <a:r>
+              <a:rPr lang="en-GB" sz="3800" dirty="0">
+                <a:solidFill>
+                  <a:schemeClr val="bg2">
+                    <a:lumMod val="25000"/>
+                  </a:schemeClr>
+                </a:solidFill>
+                <a:latin typeface="Segoe UI Light" panose="020B0502040204020203" pitchFamily="34" charset="0"/>
+                <a:cs typeface="Segoe UI Light" panose="020B0502040204020203" pitchFamily="34" charset="0"/>
+              </a:rPr>
+              <a:t>Added offline capability and ‘instant’ pages.</a:t>
             </a:r>
           </a:p>
           <a:p>
@@ -15442,12 +15137,26 @@
               <a:cs typeface="Segoe UI Light" panose="020B0502040204020203" pitchFamily="34" charset="0"/>
             </a:endParaRPr>
           </a:p>
+          <a:p>
+            <a:pPr marL="457200" lvl="1" indent="0">
+              <a:buNone/>
+            </a:pPr>
+            <a:endParaRPr lang="en-GB" sz="3800" dirty="0">
+              <a:solidFill>
+                <a:schemeClr val="bg2">
+                  <a:lumMod val="25000"/>
+                </a:schemeClr>
+              </a:solidFill>
+              <a:latin typeface="Segoe UI Light" panose="020B0502040204020203" pitchFamily="34" charset="0"/>
+              <a:cs typeface="Segoe UI Light" panose="020B0502040204020203" pitchFamily="34" charset="0"/>
+            </a:endParaRPr>
+          </a:p>
         </p:txBody>
       </p:sp>
     </p:spTree>
     <p:extLst>
       <p:ext uri="{BB962C8B-B14F-4D97-AF65-F5344CB8AC3E}">
-        <p14:creationId xmlns:p14="http://schemas.microsoft.com/office/powerpoint/2010/main" val="2010978496"/>
+        <p14:creationId xmlns:p14="http://schemas.microsoft.com/office/powerpoint/2010/main" val="1862207496"/>
       </p:ext>
     </p:extLst>
   </p:cSld>
@@ -15501,7 +15210,7 @@
                 <a:latin typeface="Segoe UI Light" panose="020B0502040204020203" pitchFamily="34" charset="0"/>
                 <a:cs typeface="Segoe UI Light" panose="020B0502040204020203" pitchFamily="34" charset="0"/>
               </a:rPr>
-              <a:t>Types of Web Components</a:t>
+              <a:t>Useful references</a:t>
             </a:r>
           </a:p>
         </p:txBody>
@@ -15737,34 +15446,422 @@
       </p:sp>
       <p:sp>
         <p:nvSpPr>
-          <p:cNvPr id="8" name="TextBox 7">
-            <a:extLst>
-              <a:ext uri="{FF2B5EF4-FFF2-40B4-BE49-F238E27FC236}">
-                <a16:creationId xmlns:a16="http://schemas.microsoft.com/office/drawing/2014/main" id="{D4329088-EA16-420B-B145-A30265C6D3B4}"/>
-              </a:ext>
-            </a:extLst>
-          </p:cNvPr>
-          <p:cNvSpPr txBox="1"/>
+          <p:cNvPr id="36" name="Content Placeholder 17"/>
+          <p:cNvSpPr txBox="1">
+            <a:spLocks/>
+          </p:cNvSpPr>
           <p:nvPr/>
         </p:nvSpPr>
         <p:spPr>
           <a:xfrm>
-            <a:off x="541609" y="1012639"/>
-            <a:ext cx="10971964" cy="6524863"/>
+            <a:off x="667892" y="1550741"/>
+            <a:ext cx="10356444" cy="5147658"/>
           </a:xfrm>
           <a:prstGeom prst="rect">
             <a:avLst/>
           </a:prstGeom>
-          <a:noFill/>
         </p:spPr>
         <p:txBody>
-          <a:bodyPr wrap="square">
-            <a:spAutoFit/>
+          <a:bodyPr vert="horz" lIns="91440" tIns="45720" rIns="91440" bIns="45720" rtlCol="0">
+            <a:noAutofit/>
           </a:bodyPr>
-          <a:lstStyle/>
+          <a:lstStyle>
+            <a:lvl1pPr marL="228600" indent="-228600" algn="l" defTabSz="914400" rtl="0" eaLnBrk="1" latinLnBrk="0" hangingPunct="1">
+              <a:lnSpc>
+                <a:spcPts val="1800"/>
+              </a:lnSpc>
+              <a:spcBef>
+                <a:spcPts val="1000"/>
+              </a:spcBef>
+              <a:spcAft>
+                <a:spcPts val="1000"/>
+              </a:spcAft>
+              <a:buFont typeface="Arial" panose="020B0604020202020204" pitchFamily="34" charset="0"/>
+              <a:buChar char="•"/>
+              <a:defRPr lang="en-US" sz="1200" kern="1200" smtClean="0">
+                <a:solidFill>
+                  <a:schemeClr val="tx1">
+                    <a:lumMod val="75000"/>
+                    <a:lumOff val="25000"/>
+                  </a:schemeClr>
+                </a:solidFill>
+                <a:latin typeface="+mn-lt"/>
+                <a:ea typeface="+mn-ea"/>
+                <a:cs typeface="+mn-cs"/>
+              </a:defRPr>
+            </a:lvl1pPr>
+            <a:lvl2pPr marL="685800" indent="-228600" algn="l" defTabSz="914400" rtl="0" eaLnBrk="1" latinLnBrk="0" hangingPunct="1">
+              <a:lnSpc>
+                <a:spcPts val="1800"/>
+              </a:lnSpc>
+              <a:spcBef>
+                <a:spcPts val="1000"/>
+              </a:spcBef>
+              <a:spcAft>
+                <a:spcPts val="1000"/>
+              </a:spcAft>
+              <a:buFont typeface="Arial" panose="020B0604020202020204" pitchFamily="34" charset="0"/>
+              <a:buChar char="•"/>
+              <a:defRPr lang="en-US" sz="1200" kern="1200" smtClean="0">
+                <a:solidFill>
+                  <a:schemeClr val="tx1">
+                    <a:lumMod val="75000"/>
+                    <a:lumOff val="25000"/>
+                  </a:schemeClr>
+                </a:solidFill>
+                <a:latin typeface="+mn-lt"/>
+                <a:ea typeface="+mn-ea"/>
+                <a:cs typeface="+mn-cs"/>
+              </a:defRPr>
+            </a:lvl2pPr>
+            <a:lvl3pPr marL="1143000" indent="-228600" algn="l" defTabSz="914400" rtl="0" eaLnBrk="1" latinLnBrk="0" hangingPunct="1">
+              <a:lnSpc>
+                <a:spcPts val="1800"/>
+              </a:lnSpc>
+              <a:spcBef>
+                <a:spcPts val="1000"/>
+              </a:spcBef>
+              <a:spcAft>
+                <a:spcPts val="1000"/>
+              </a:spcAft>
+              <a:buFont typeface="Arial" panose="020B0604020202020204" pitchFamily="34" charset="0"/>
+              <a:buChar char="•"/>
+              <a:defRPr lang="en-US" sz="1200" kern="1200" smtClean="0">
+                <a:solidFill>
+                  <a:schemeClr val="tx1">
+                    <a:lumMod val="75000"/>
+                    <a:lumOff val="25000"/>
+                  </a:schemeClr>
+                </a:solidFill>
+                <a:latin typeface="+mn-lt"/>
+                <a:ea typeface="+mn-ea"/>
+                <a:cs typeface="+mn-cs"/>
+              </a:defRPr>
+            </a:lvl3pPr>
+            <a:lvl4pPr marL="1600200" indent="-228600" algn="l" defTabSz="914400" rtl="0" eaLnBrk="1" latinLnBrk="0" hangingPunct="1">
+              <a:lnSpc>
+                <a:spcPts val="1800"/>
+              </a:lnSpc>
+              <a:spcBef>
+                <a:spcPts val="1000"/>
+              </a:spcBef>
+              <a:spcAft>
+                <a:spcPts val="1000"/>
+              </a:spcAft>
+              <a:buFont typeface="Arial" panose="020B0604020202020204" pitchFamily="34" charset="0"/>
+              <a:buChar char="•"/>
+              <a:defRPr lang="en-US" sz="1200" kern="1200" smtClean="0">
+                <a:solidFill>
+                  <a:schemeClr val="tx1">
+                    <a:lumMod val="75000"/>
+                    <a:lumOff val="25000"/>
+                  </a:schemeClr>
+                </a:solidFill>
+                <a:latin typeface="+mn-lt"/>
+                <a:ea typeface="+mn-ea"/>
+                <a:cs typeface="+mn-cs"/>
+              </a:defRPr>
+            </a:lvl4pPr>
+            <a:lvl5pPr marL="2057400" indent="-228600" algn="l" defTabSz="914400" rtl="0" eaLnBrk="1" latinLnBrk="0" hangingPunct="1">
+              <a:lnSpc>
+                <a:spcPts val="1800"/>
+              </a:lnSpc>
+              <a:spcBef>
+                <a:spcPts val="1000"/>
+              </a:spcBef>
+              <a:spcAft>
+                <a:spcPts val="1000"/>
+              </a:spcAft>
+              <a:buFont typeface="Arial" panose="020B0604020202020204" pitchFamily="34" charset="0"/>
+              <a:buChar char="•"/>
+              <a:defRPr lang="en-US" sz="1200" kern="1200">
+                <a:solidFill>
+                  <a:schemeClr val="tx1">
+                    <a:lumMod val="75000"/>
+                    <a:lumOff val="25000"/>
+                  </a:schemeClr>
+                </a:solidFill>
+                <a:latin typeface="+mn-lt"/>
+                <a:ea typeface="+mn-ea"/>
+                <a:cs typeface="+mn-cs"/>
+              </a:defRPr>
+            </a:lvl5pPr>
+            <a:lvl6pPr marL="2514600" indent="-228600" algn="l" defTabSz="914400" rtl="0" eaLnBrk="1" latinLnBrk="0" hangingPunct="1">
+              <a:lnSpc>
+                <a:spcPct val="90000"/>
+              </a:lnSpc>
+              <a:spcBef>
+                <a:spcPct val="30000"/>
+              </a:spcBef>
+              <a:buFont typeface="Arial" panose="020B0604020202020204" pitchFamily="34" charset="0"/>
+              <a:buChar char="•"/>
+              <a:defRPr sz="1800" kern="1200">
+                <a:solidFill>
+                  <a:schemeClr val="tx1"/>
+                </a:solidFill>
+                <a:latin typeface="+mn-lt"/>
+                <a:ea typeface="+mn-ea"/>
+                <a:cs typeface="+mn-cs"/>
+              </a:defRPr>
+            </a:lvl6pPr>
+            <a:lvl7pPr marL="2971800" indent="-228600" algn="l" defTabSz="914400" rtl="0" eaLnBrk="1" latinLnBrk="0" hangingPunct="1">
+              <a:lnSpc>
+                <a:spcPct val="90000"/>
+              </a:lnSpc>
+              <a:spcBef>
+                <a:spcPct val="30000"/>
+              </a:spcBef>
+              <a:buFont typeface="Arial" panose="020B0604020202020204" pitchFamily="34" charset="0"/>
+              <a:buChar char="•"/>
+              <a:defRPr sz="1800" kern="1200">
+                <a:solidFill>
+                  <a:schemeClr val="tx1"/>
+                </a:solidFill>
+                <a:latin typeface="+mn-lt"/>
+                <a:ea typeface="+mn-ea"/>
+                <a:cs typeface="+mn-cs"/>
+              </a:defRPr>
+            </a:lvl7pPr>
+            <a:lvl8pPr marL="3429000" indent="-228600" algn="l" defTabSz="914400" rtl="0" eaLnBrk="1" latinLnBrk="0" hangingPunct="1">
+              <a:lnSpc>
+                <a:spcPct val="90000"/>
+              </a:lnSpc>
+              <a:spcBef>
+                <a:spcPct val="30000"/>
+              </a:spcBef>
+              <a:buFont typeface="Arial" panose="020B0604020202020204" pitchFamily="34" charset="0"/>
+              <a:buChar char="•"/>
+              <a:defRPr sz="1800" kern="1200">
+                <a:solidFill>
+                  <a:schemeClr val="tx1"/>
+                </a:solidFill>
+                <a:latin typeface="+mn-lt"/>
+                <a:ea typeface="+mn-ea"/>
+                <a:cs typeface="+mn-cs"/>
+              </a:defRPr>
+            </a:lvl8pPr>
+            <a:lvl9pPr marL="3886200" indent="-228600" algn="l" defTabSz="914400" rtl="0" eaLnBrk="1" latinLnBrk="0" hangingPunct="1">
+              <a:lnSpc>
+                <a:spcPct val="90000"/>
+              </a:lnSpc>
+              <a:spcBef>
+                <a:spcPct val="30000"/>
+              </a:spcBef>
+              <a:buFont typeface="Arial" panose="020B0604020202020204" pitchFamily="34" charset="0"/>
+              <a:buChar char="•"/>
+              <a:defRPr sz="1800" kern="1200">
+                <a:solidFill>
+                  <a:schemeClr val="tx1"/>
+                </a:solidFill>
+                <a:latin typeface="+mn-lt"/>
+                <a:ea typeface="+mn-ea"/>
+                <a:cs typeface="+mn-cs"/>
+              </a:defRPr>
+            </a:lvl9pPr>
+          </a:lstStyle>
           <a:p>
             <a:pPr marL="457200" lvl="1" indent="0">
+              <a:lnSpc>
+                <a:spcPts val="3000"/>
+              </a:lnSpc>
               <a:buNone/>
+            </a:pPr>
+            <a:r>
+              <a:rPr lang="en-GB" sz="3800" b="1" dirty="0">
+                <a:solidFill>
+                  <a:schemeClr val="bg2">
+                    <a:lumMod val="25000"/>
+                  </a:schemeClr>
+                </a:solidFill>
+                <a:latin typeface="Segoe UI Light" panose="020B0502040204020203" pitchFamily="34" charset="0"/>
+                <a:cs typeface="Segoe UI Light" panose="020B0502040204020203" pitchFamily="34" charset="0"/>
+                <a:hlinkClick r:id="rId2">
+                  <a:extLst>
+                    <a:ext uri="{A12FA001-AC4F-418D-AE19-62706E023703}">
+                      <ahyp:hlinkClr xmlns:ahyp="http://schemas.microsoft.com/office/drawing/2018/hyperlinkcolor" val="tx"/>
+                    </a:ext>
+                  </a:extLst>
+                </a:hlinkClick>
+              </a:rPr>
+              <a:t>https://www.webcomponents.org/</a:t>
+            </a:r>
+            <a:r>
+              <a:rPr lang="en-GB" sz="3800" b="1" dirty="0">
+                <a:solidFill>
+                  <a:schemeClr val="bg2">
+                    <a:lumMod val="25000"/>
+                  </a:schemeClr>
+                </a:solidFill>
+                <a:latin typeface="Segoe UI Light" panose="020B0502040204020203" pitchFamily="34" charset="0"/>
+                <a:cs typeface="Segoe UI Light" panose="020B0502040204020203" pitchFamily="34" charset="0"/>
+              </a:rPr>
+              <a:t> </a:t>
+            </a:r>
+          </a:p>
+          <a:p>
+            <a:pPr marL="457200" lvl="1" indent="0">
+              <a:lnSpc>
+                <a:spcPts val="3000"/>
+              </a:lnSpc>
+              <a:buNone/>
+            </a:pPr>
+            <a:r>
+              <a:rPr lang="en-GB" sz="3800" dirty="0">
+                <a:solidFill>
+                  <a:schemeClr val="bg2">
+                    <a:lumMod val="25000"/>
+                  </a:schemeClr>
+                </a:solidFill>
+                <a:latin typeface="Segoe UI Light" panose="020B0502040204020203" pitchFamily="34" charset="0"/>
+                <a:cs typeface="Segoe UI Light" panose="020B0502040204020203" pitchFamily="34" charset="0"/>
+              </a:rPr>
+              <a:t>- main reference site</a:t>
+            </a:r>
+          </a:p>
+          <a:p>
+            <a:pPr marL="457200" lvl="1" indent="0">
+              <a:lnSpc>
+                <a:spcPts val="3000"/>
+              </a:lnSpc>
+              <a:buNone/>
+            </a:pPr>
+            <a:r>
+              <a:rPr lang="en-GB" sz="3800" b="1" dirty="0">
+                <a:solidFill>
+                  <a:schemeClr val="bg2">
+                    <a:lumMod val="25000"/>
+                  </a:schemeClr>
+                </a:solidFill>
+                <a:latin typeface="Segoe UI Light" panose="020B0502040204020203" pitchFamily="34" charset="0"/>
+                <a:cs typeface="Segoe UI Light" panose="020B0502040204020203" pitchFamily="34" charset="0"/>
+                <a:hlinkClick r:id="rId3">
+                  <a:extLst>
+                    <a:ext uri="{A12FA001-AC4F-418D-AE19-62706E023703}">
+                      <ahyp:hlinkClr xmlns:ahyp="http://schemas.microsoft.com/office/drawing/2018/hyperlinkcolor" val="tx"/>
+                    </a:ext>
+                  </a:extLst>
+                </a:hlinkClick>
+              </a:rPr>
+              <a:t>https://custom-elements-everywhere.com/</a:t>
+            </a:r>
+            <a:r>
+              <a:rPr lang="en-GB" sz="3800" b="1" dirty="0">
+                <a:solidFill>
+                  <a:schemeClr val="bg2">
+                    <a:lumMod val="25000"/>
+                  </a:schemeClr>
+                </a:solidFill>
+                <a:latin typeface="Segoe UI Light" panose="020B0502040204020203" pitchFamily="34" charset="0"/>
+                <a:cs typeface="Segoe UI Light" panose="020B0502040204020203" pitchFamily="34" charset="0"/>
+              </a:rPr>
+              <a:t> </a:t>
+            </a:r>
+          </a:p>
+          <a:p>
+            <a:pPr marL="457200" lvl="1" indent="0">
+              <a:lnSpc>
+                <a:spcPts val="3500"/>
+              </a:lnSpc>
+              <a:buNone/>
+            </a:pPr>
+            <a:r>
+              <a:rPr lang="en-GB" sz="3800" dirty="0">
+                <a:solidFill>
+                  <a:schemeClr val="bg2">
+                    <a:lumMod val="25000"/>
+                  </a:schemeClr>
+                </a:solidFill>
+                <a:latin typeface="Segoe UI Light" panose="020B0502040204020203" pitchFamily="34" charset="0"/>
+                <a:cs typeface="Segoe UI Light" panose="020B0502040204020203" pitchFamily="34" charset="0"/>
+              </a:rPr>
+              <a:t>(Making sure frameworks and custom elements can be BFFs )</a:t>
+            </a:r>
+          </a:p>
+          <a:p>
+            <a:pPr marL="457200" lvl="1" indent="0">
+              <a:lnSpc>
+                <a:spcPts val="3000"/>
+              </a:lnSpc>
+              <a:buNone/>
+            </a:pPr>
+            <a:r>
+              <a:rPr lang="en-GB" sz="3800" b="1" dirty="0">
+                <a:solidFill>
+                  <a:schemeClr val="bg2">
+                    <a:lumMod val="25000"/>
+                  </a:schemeClr>
+                </a:solidFill>
+                <a:latin typeface="Segoe UI Light" panose="020B0502040204020203" pitchFamily="34" charset="0"/>
+                <a:cs typeface="Segoe UI Light" panose="020B0502040204020203" pitchFamily="34" charset="0"/>
+                <a:hlinkClick r:id="rId4">
+                  <a:extLst>
+                    <a:ext uri="{A12FA001-AC4F-418D-AE19-62706E023703}">
+                      <ahyp:hlinkClr xmlns:ahyp="http://schemas.microsoft.com/office/drawing/2018/hyperlinkcolor" val="tx"/>
+                    </a:ext>
+                  </a:extLst>
+                </a:hlinkClick>
+              </a:rPr>
+              <a:t>https://webcomponents.dev/</a:t>
+            </a:r>
+            <a:r>
+              <a:rPr lang="en-GB" sz="3800" b="1" dirty="0">
+                <a:solidFill>
+                  <a:schemeClr val="bg2">
+                    <a:lumMod val="25000"/>
+                  </a:schemeClr>
+                </a:solidFill>
+                <a:latin typeface="Segoe UI Light" panose="020B0502040204020203" pitchFamily="34" charset="0"/>
+                <a:cs typeface="Segoe UI Light" panose="020B0502040204020203" pitchFamily="34" charset="0"/>
+              </a:rPr>
+              <a:t> </a:t>
+            </a:r>
+          </a:p>
+          <a:p>
+            <a:pPr lvl="1">
+              <a:lnSpc>
+                <a:spcPts val="3000"/>
+              </a:lnSpc>
+              <a:buFontTx/>
+              <a:buChar char="-"/>
+            </a:pPr>
+            <a:r>
+              <a:rPr lang="en-GB" sz="3800" dirty="0">
+                <a:solidFill>
+                  <a:schemeClr val="bg2">
+                    <a:lumMod val="25000"/>
+                  </a:schemeClr>
+                </a:solidFill>
+                <a:latin typeface="Segoe UI Light" panose="020B0502040204020203" pitchFamily="34" charset="0"/>
+                <a:cs typeface="Segoe UI Light" panose="020B0502040204020203" pitchFamily="34" charset="0"/>
+              </a:rPr>
+              <a:t>over 40 libraries and compilers </a:t>
+            </a:r>
+          </a:p>
+          <a:p>
+            <a:pPr marL="457200" lvl="1" indent="0">
+              <a:lnSpc>
+                <a:spcPts val="3000"/>
+              </a:lnSpc>
+              <a:buNone/>
+            </a:pPr>
+            <a:r>
+              <a:rPr lang="en-GB" sz="3800" i="1" dirty="0">
+                <a:solidFill>
+                  <a:schemeClr val="bg2">
+                    <a:lumMod val="25000"/>
+                  </a:schemeClr>
+                </a:solidFill>
+                <a:latin typeface="Segoe UI Light" panose="020B0502040204020203" pitchFamily="34" charset="0"/>
+                <a:cs typeface="Segoe UI Light" panose="020B0502040204020203" pitchFamily="34" charset="0"/>
+              </a:rPr>
+              <a:t>let’s see them…</a:t>
+            </a:r>
+          </a:p>
+          <a:p>
+            <a:pPr lvl="1">
+              <a:lnSpc>
+                <a:spcPts val="4000"/>
+              </a:lnSpc>
             </a:pPr>
             <a:endParaRPr lang="en-GB" sz="3800" dirty="0">
               <a:solidFill>
@@ -15777,100 +15874,17 @@
             </a:endParaRPr>
           </a:p>
           <a:p>
-            <a:pPr marL="1028700" lvl="1" indent="-571500">
-              <a:buFont typeface="Arial" panose="020B0604020202020204" pitchFamily="34" charset="0"/>
-              <a:buChar char="•"/>
+            <a:pPr marL="0" lvl="0" indent="0">
+              <a:spcBef>
+                <a:spcPct val="0"/>
+              </a:spcBef>
+              <a:spcAft>
+                <a:spcPts val="2000"/>
+              </a:spcAft>
+              <a:buNone/>
+              <a:defRPr/>
             </a:pPr>
-            <a:r>
-              <a:rPr lang="en-GB" sz="3800" dirty="0">
-                <a:solidFill>
-                  <a:schemeClr val="bg2">
-                    <a:lumMod val="25000"/>
-                  </a:schemeClr>
-                </a:solidFill>
-                <a:latin typeface="Segoe UI Light" panose="020B0502040204020203" pitchFamily="34" charset="0"/>
-                <a:cs typeface="Segoe UI Light" panose="020B0502040204020203" pitchFamily="34" charset="0"/>
-              </a:rPr>
-              <a:t>Fetch requests.</a:t>
-            </a:r>
-          </a:p>
-          <a:p>
-            <a:pPr marL="1028700" lvl="1" indent="-571500">
-              <a:buFont typeface="Arial" panose="020B0604020202020204" pitchFamily="34" charset="0"/>
-              <a:buChar char="•"/>
-            </a:pPr>
-            <a:r>
-              <a:rPr lang="en-GB" sz="3800" dirty="0">
-                <a:solidFill>
-                  <a:schemeClr val="bg2">
-                    <a:lumMod val="25000"/>
-                  </a:schemeClr>
-                </a:solidFill>
-                <a:latin typeface="Segoe UI Light" panose="020B0502040204020203" pitchFamily="34" charset="0"/>
-                <a:cs typeface="Segoe UI Light" panose="020B0502040204020203" pitchFamily="34" charset="0"/>
-              </a:rPr>
-              <a:t>Lazy loading and dynamic loading (scripts/components).</a:t>
-            </a:r>
-          </a:p>
-          <a:p>
-            <a:pPr marL="1028700" lvl="1" indent="-571500">
-              <a:buFont typeface="Arial" panose="020B0604020202020204" pitchFamily="34" charset="0"/>
-              <a:buChar char="•"/>
-            </a:pPr>
-            <a:r>
-              <a:rPr lang="en-GB" sz="3800" dirty="0">
-                <a:solidFill>
-                  <a:schemeClr val="bg2">
-                    <a:lumMod val="25000"/>
-                  </a:schemeClr>
-                </a:solidFill>
-                <a:latin typeface="Segoe UI Light" panose="020B0502040204020203" pitchFamily="34" charset="0"/>
-                <a:cs typeface="Segoe UI Light" panose="020B0502040204020203" pitchFamily="34" charset="0"/>
-              </a:rPr>
-              <a:t>Storing JSON in IndexedDB and rendering it via templates.</a:t>
-            </a:r>
-          </a:p>
-          <a:p>
-            <a:pPr marL="1028700" lvl="1" indent="-571500">
-              <a:buFont typeface="Arial" panose="020B0604020202020204" pitchFamily="34" charset="0"/>
-              <a:buChar char="•"/>
-            </a:pPr>
-            <a:r>
-              <a:rPr lang="en-GB" sz="3800" dirty="0">
-                <a:solidFill>
-                  <a:schemeClr val="bg2">
-                    <a:lumMod val="25000"/>
-                  </a:schemeClr>
-                </a:solidFill>
-                <a:latin typeface="Segoe UI Light" panose="020B0502040204020203" pitchFamily="34" charset="0"/>
-                <a:cs typeface="Segoe UI Light" panose="020B0502040204020203" pitchFamily="34" charset="0"/>
-              </a:rPr>
-              <a:t>Authentication and storage of JSON Web Tokens.</a:t>
-            </a:r>
-          </a:p>
-          <a:p>
-            <a:pPr marL="1028700" lvl="1" indent="-571500">
-              <a:buFont typeface="Arial" panose="020B0604020202020204" pitchFamily="34" charset="0"/>
-              <a:buChar char="•"/>
-            </a:pPr>
-            <a:r>
-              <a:rPr lang="en-GB" sz="3800" dirty="0">
-                <a:solidFill>
-                  <a:schemeClr val="bg2">
-                    <a:lumMod val="25000"/>
-                  </a:schemeClr>
-                </a:solidFill>
-                <a:latin typeface="Segoe UI Light" panose="020B0502040204020203" pitchFamily="34" charset="0"/>
-                <a:cs typeface="Segoe UI Light" panose="020B0502040204020203" pitchFamily="34" charset="0"/>
-              </a:rPr>
-              <a:t>Added offline capability and ‘instant’ pages.</a:t>
-            </a:r>
-          </a:p>
-          <a:p>
-            <a:pPr marL="457200" lvl="1" indent="0">
-              <a:buNone/>
-            </a:pPr>
-            <a:endParaRPr lang="en-GB" sz="3800" dirty="0">
+            <a:endParaRPr lang="en-US" sz="3800" dirty="0">
               <a:solidFill>
                 <a:schemeClr val="bg2">
                   <a:lumMod val="25000"/>
@@ -15880,26 +15894,12 @@
               <a:cs typeface="Segoe UI Light" panose="020B0502040204020203" pitchFamily="34" charset="0"/>
             </a:endParaRPr>
           </a:p>
-          <a:p>
-            <a:pPr marL="457200" lvl="1" indent="0">
-              <a:buNone/>
-            </a:pPr>
-            <a:endParaRPr lang="en-GB" sz="3800" dirty="0">
-              <a:solidFill>
-                <a:schemeClr val="bg2">
-                  <a:lumMod val="25000"/>
-                </a:schemeClr>
-              </a:solidFill>
-              <a:latin typeface="Segoe UI Light" panose="020B0502040204020203" pitchFamily="34" charset="0"/>
-              <a:cs typeface="Segoe UI Light" panose="020B0502040204020203" pitchFamily="34" charset="0"/>
-            </a:endParaRPr>
-          </a:p>
         </p:txBody>
       </p:sp>
     </p:spTree>
     <p:extLst>
       <p:ext uri="{BB962C8B-B14F-4D97-AF65-F5344CB8AC3E}">
-        <p14:creationId xmlns:p14="http://schemas.microsoft.com/office/powerpoint/2010/main" val="1862207496"/>
+        <p14:creationId xmlns:p14="http://schemas.microsoft.com/office/powerpoint/2010/main" val="2661540520"/>
       </p:ext>
     </p:extLst>
   </p:cSld>
@@ -17452,8 +17452,8 @@
         </p:nvSpPr>
         <p:spPr>
           <a:xfrm>
-            <a:off x="678427" y="681752"/>
-            <a:ext cx="10971964" cy="6455613"/>
+            <a:off x="678427" y="995260"/>
+            <a:ext cx="10971964" cy="4653710"/>
           </a:xfrm>
           <a:prstGeom prst="rect">
             <a:avLst/>
@@ -17515,94 +17515,49 @@
                 </a:solidFill>
                 <a:latin typeface="Segoe UI Light" panose="020B0502040204020203" pitchFamily="34" charset="0"/>
                 <a:cs typeface="Segoe UI Light" panose="020B0502040204020203" pitchFamily="34" charset="0"/>
-                <a:hlinkClick r:id="rId2"/>
               </a:rPr>
-              <a:t>https://github.com/iwswordpress/WEB-COMPONENTS-NDC</a:t>
+              <a:t>Business case (1) site:</a:t>
+            </a:r>
+          </a:p>
+          <a:p>
+            <a:pPr lvl="1">
+              <a:lnSpc>
+                <a:spcPts val="4500"/>
+              </a:lnSpc>
+            </a:pPr>
+            <a:r>
+              <a:rPr lang="en-GB" sz="2800" dirty="0">
+                <a:solidFill>
+                  <a:srgbClr val="0070C0"/>
+                </a:solidFill>
+                <a:latin typeface="Segoe UI Light" panose="020B0502040204020203" pitchFamily="34" charset="0"/>
+                <a:cs typeface="Segoe UI Light" panose="020B0502040204020203" pitchFamily="34" charset="0"/>
+                <a:hlinkClick r:id="rId2">
+                  <a:extLst>
+                    <a:ext uri="{A12FA001-AC4F-418D-AE19-62706E023703}">
+                      <ahyp:hlinkClr xmlns:ahyp="http://schemas.microsoft.com/office/drawing/2018/hyperlinkcolor" val="tx"/>
+                    </a:ext>
+                  </a:extLst>
+                </a:hlinkClick>
+              </a:rPr>
+              <a:t>https://wpjs.co.uk/demo1</a:t>
             </a:r>
             <a:endParaRPr lang="en-GB" sz="2800" dirty="0">
               <a:solidFill>
-                <a:schemeClr val="bg2">
-                  <a:lumMod val="25000"/>
-                </a:schemeClr>
+                <a:srgbClr val="0070C0"/>
               </a:solidFill>
               <a:latin typeface="Segoe UI Light" panose="020B0502040204020203" pitchFamily="34" charset="0"/>
               <a:cs typeface="Segoe UI Light" panose="020B0502040204020203" pitchFamily="34" charset="0"/>
             </a:endParaRPr>
           </a:p>
           <a:p>
-            <a:pPr marL="457200" lvl="1" indent="0">
+            <a:pPr lvl="1">
               <a:lnSpc>
                 <a:spcPts val="4500"/>
               </a:lnSpc>
-              <a:buNone/>
-            </a:pPr>
-            <a:endParaRPr lang="en-GB" sz="2800" dirty="0">
-              <a:solidFill>
-                <a:schemeClr val="bg2">
-                  <a:lumMod val="25000"/>
-                </a:schemeClr>
-              </a:solidFill>
-              <a:latin typeface="Segoe UI Light" panose="020B0502040204020203" pitchFamily="34" charset="0"/>
-              <a:cs typeface="Segoe UI Light" panose="020B0502040204020203" pitchFamily="34" charset="0"/>
-            </a:endParaRPr>
-          </a:p>
-          <a:p>
-            <a:pPr marL="457200" lvl="1" indent="0">
-              <a:lnSpc>
-                <a:spcPts val="4500"/>
-              </a:lnSpc>
-              <a:buNone/>
             </a:pPr>
             <a:r>
-              <a:rPr lang="en-GB" sz="2800" dirty="0">
-                <a:solidFill>
-                  <a:schemeClr val="bg2">
-                    <a:lumMod val="25000"/>
-                  </a:schemeClr>
-                </a:solidFill>
-                <a:latin typeface="Segoe UI Light" panose="020B0502040204020203" pitchFamily="34" charset="0"/>
-                <a:cs typeface="Segoe UI Light" panose="020B0502040204020203" pitchFamily="34" charset="0"/>
-              </a:rPr>
-              <a:t>Business case (1) site:</a:t>
-            </a:r>
-          </a:p>
-          <a:p>
-            <a:pPr lvl="1">
-              <a:lnSpc>
-                <a:spcPts val="4500"/>
-              </a:lnSpc>
-            </a:pPr>
-            <a:r>
-              <a:rPr lang="en-GB" sz="2800" dirty="0">
-                <a:solidFill>
-                  <a:schemeClr val="bg2">
-                    <a:lumMod val="25000"/>
-                  </a:schemeClr>
-                </a:solidFill>
-                <a:latin typeface="Segoe UI Light" panose="020B0502040204020203" pitchFamily="34" charset="0"/>
-                <a:cs typeface="Segoe UI Light" panose="020B0502040204020203" pitchFamily="34" charset="0"/>
-                <a:hlinkClick r:id="rId3"/>
-              </a:rPr>
-              <a:t>https://49plus.co.uk/udemy-webcomponents/</a:t>
-            </a:r>
-            <a:endParaRPr lang="en-GB" sz="2800" dirty="0">
-              <a:solidFill>
-                <a:schemeClr val="bg2">
-                  <a:lumMod val="25000"/>
-                </a:schemeClr>
-              </a:solidFill>
-              <a:latin typeface="Segoe UI Light" panose="020B0502040204020203" pitchFamily="34" charset="0"/>
-              <a:cs typeface="Segoe UI Light" panose="020B0502040204020203" pitchFamily="34" charset="0"/>
-            </a:endParaRPr>
-          </a:p>
-          <a:p>
-            <a:pPr lvl="1">
-              <a:lnSpc>
-                <a:spcPts val="4500"/>
-              </a:lnSpc>
-            </a:pPr>
-            <a:r>
-              <a:rPr lang="en-GB" sz="2800" dirty="0">
+              <a:rPr lang="en-GB" sz="2800" i="1" dirty="0">
                 <a:solidFill>
                   <a:schemeClr val="bg2">
                     <a:lumMod val="25000"/>
@@ -17620,11 +17575,26 @@
                 <a:spcPts val="4500"/>
               </a:lnSpc>
             </a:pPr>
-            <a:endParaRPr lang="en-GB" sz="2800" dirty="0">
+            <a:r>
+              <a:rPr lang="en-GB" sz="2800" dirty="0">
+                <a:solidFill>
+                  <a:srgbClr val="0070C0"/>
+                </a:solidFill>
+                <a:latin typeface="Segoe UI Light" panose="020B0502040204020203" pitchFamily="34" charset="0"/>
+                <a:cs typeface="Segoe UI Light" panose="020B0502040204020203" pitchFamily="34" charset="0"/>
+                <a:hlinkClick r:id="rId3">
+                  <a:extLst>
+                    <a:ext uri="{A12FA001-AC4F-418D-AE19-62706E023703}">
+                      <ahyp:hlinkClr xmlns:ahyp="http://schemas.microsoft.com/office/drawing/2018/hyperlinkcolor" val="tx"/>
+                    </a:ext>
+                  </a:extLst>
+                </a:hlinkClick>
+              </a:rPr>
+              <a:t>https://github.com/iwswordpress/ndc-london-web-components</a:t>
+            </a:r>
+            <a:endParaRPr lang="en-GB" sz="1600" i="1" dirty="0">
               <a:solidFill>
-                <a:schemeClr val="bg2">
-                  <a:lumMod val="25000"/>
-                </a:schemeClr>
+                <a:srgbClr val="0070C0"/>
               </a:solidFill>
               <a:latin typeface="Segoe UI Light" panose="020B0502040204020203" pitchFamily="34" charset="0"/>
               <a:cs typeface="Segoe UI Light" panose="020B0502040204020203" pitchFamily="34" charset="0"/>
@@ -17658,35 +17628,23 @@
             <a:r>
               <a:rPr lang="en-GB" sz="2800" dirty="0">
                 <a:solidFill>
-                  <a:schemeClr val="bg2">
-                    <a:lumMod val="25000"/>
-                  </a:schemeClr>
+                  <a:srgbClr val="0070C0"/>
                 </a:solidFill>
                 <a:latin typeface="Segoe UI Light" panose="020B0502040204020203" pitchFamily="34" charset="0"/>
                 <a:cs typeface="Segoe UI Light" panose="020B0502040204020203" pitchFamily="34" charset="0"/>
-                <a:hlinkClick r:id="rId4"/>
+                <a:hlinkClick r:id="rId2">
+                  <a:extLst>
+                    <a:ext uri="{A12FA001-AC4F-418D-AE19-62706E023703}">
+                      <ahyp:hlinkClr xmlns:ahyp="http://schemas.microsoft.com/office/drawing/2018/hyperlinkcolor" val="tx"/>
+                    </a:ext>
+                  </a:extLst>
+                </a:hlinkClick>
               </a:rPr>
-              <a:t>https://ndc-stencil.vercel.app/</a:t>
+              <a:t>https://wpjs.co.uk/demo1</a:t>
             </a:r>
-            <a:endParaRPr lang="en-GB" sz="2800" dirty="0">
-              <a:solidFill>
-                <a:schemeClr val="bg2">
-                  <a:lumMod val="25000"/>
-                </a:schemeClr>
-              </a:solidFill>
-              <a:latin typeface="Segoe UI Light" panose="020B0502040204020203" pitchFamily="34" charset="0"/>
-              <a:cs typeface="Segoe UI Light" panose="020B0502040204020203" pitchFamily="34" charset="0"/>
-            </a:endParaRPr>
-          </a:p>
-          <a:p>
-            <a:pPr marL="457200" lvl="1" indent="0">
-              <a:buNone/>
-            </a:pPr>
             <a:endParaRPr lang="en-GB" sz="3800" dirty="0">
               <a:solidFill>
-                <a:schemeClr val="bg2">
-                  <a:lumMod val="25000"/>
-                </a:schemeClr>
+                <a:srgbClr val="0070C0"/>
               </a:solidFill>
               <a:latin typeface="Segoe UI Light" panose="020B0502040204020203" pitchFamily="34" charset="0"/>
               <a:cs typeface="Segoe UI Light" panose="020B0502040204020203" pitchFamily="34" charset="0"/>
@@ -19245,7 +19203,7 @@
                 <a:latin typeface="Segoe UI Light" panose="020B0502040204020203" pitchFamily="34" charset="0"/>
                 <a:cs typeface="Segoe UI Light" panose="020B0502040204020203" pitchFamily="34" charset="0"/>
               </a:rPr>
-              <a:t> How to import them in to any framework.</a:t>
+              <a:t> How to import them into any framework.</a:t>
             </a:r>
           </a:p>
           <a:p>
@@ -24563,21 +24521,21 @@
 </file>
 
 <file path=customXml/item2.xml><?xml version="1.0" encoding="utf-8"?>
+<p:properties xmlns:p="http://schemas.microsoft.com/office/2006/metadata/properties" xmlns:xsi="http://www.w3.org/2001/XMLSchema-instance" xmlns:pc="http://schemas.microsoft.com/office/infopath/2007/PartnerControls">
+  <documentManagement>
+    <Status xmlns="71af3243-3dd4-4a8d-8c0d-dd76da1f02a5">Not started</Status>
+    <MediaServiceKeyPoints xmlns="71af3243-3dd4-4a8d-8c0d-dd76da1f02a5" xsi:nil="true"/>
+  </documentManagement>
+</p:properties>
+</file>
+
+<file path=customXml/item3.xml><?xml version="1.0" encoding="utf-8"?>
 <?mso-contentType ?>
 <FormTemplates xmlns="http://schemas.microsoft.com/sharepoint/v3/contenttype/forms">
   <Display>DocumentLibraryForm</Display>
   <Edit>DocumentLibraryForm</Edit>
   <New>DocumentLibraryForm</New>
 </FormTemplates>
-</file>
-
-<file path=customXml/item3.xml><?xml version="1.0" encoding="utf-8"?>
-<p:properties xmlns:p="http://schemas.microsoft.com/office/2006/metadata/properties" xmlns:xsi="http://www.w3.org/2001/XMLSchema-instance" xmlns:pc="http://schemas.microsoft.com/office/infopath/2007/PartnerControls">
-  <documentManagement>
-    <Status xmlns="71af3243-3dd4-4a8d-8c0d-dd76da1f02a5">Not started</Status>
-    <MediaServiceKeyPoints xmlns="71af3243-3dd4-4a8d-8c0d-dd76da1f02a5" xsi:nil="true"/>
-  </documentManagement>
-</p:properties>
 </file>
 
 <file path=customXml/itemProps1.xml><?xml version="1.0" encoding="utf-8"?>
@@ -24600,26 +24558,26 @@
 </file>
 
 <file path=customXml/itemProps2.xml><?xml version="1.0" encoding="utf-8"?>
+<ds:datastoreItem xmlns:ds="http://schemas.openxmlformats.org/officeDocument/2006/customXml" ds:itemID="{950072C5-DDE0-4258-BA7A-4D4B80DFA632}">
+  <ds:schemaRefs>
+    <ds:schemaRef ds:uri="http://schemas.microsoft.com/office/2006/metadata/properties"/>
+    <ds:schemaRef ds:uri="http://schemas.microsoft.com/office/2006/documentManagement/types"/>
+    <ds:schemaRef ds:uri="http://purl.org/dc/terms/"/>
+    <ds:schemaRef ds:uri="http://schemas.microsoft.com/office/infopath/2007/PartnerControls"/>
+    <ds:schemaRef ds:uri="http://schemas.openxmlformats.org/package/2006/metadata/core-properties"/>
+    <ds:schemaRef ds:uri="http://purl.org/dc/elements/1.1/"/>
+    <ds:schemaRef ds:uri="16c05727-aa75-4e4a-9b5f-8a80a1165891"/>
+    <ds:schemaRef ds:uri="71af3243-3dd4-4a8d-8c0d-dd76da1f02a5"/>
+    <ds:schemaRef ds:uri="http://www.w3.org/XML/1998/namespace"/>
+    <ds:schemaRef ds:uri="http://purl.org/dc/dcmitype/"/>
+  </ds:schemaRefs>
+</ds:datastoreItem>
+</file>
+
+<file path=customXml/itemProps3.xml><?xml version="1.0" encoding="utf-8"?>
 <ds:datastoreItem xmlns:ds="http://schemas.openxmlformats.org/officeDocument/2006/customXml" ds:itemID="{7EE8C63A-4744-4DE4-BB49-0FF0B5375C60}">
   <ds:schemaRefs>
     <ds:schemaRef ds:uri="http://schemas.microsoft.com/sharepoint/v3/contenttype/forms"/>
   </ds:schemaRefs>
 </ds:datastoreItem>
-</file>
-
-<file path=customXml/itemProps3.xml><?xml version="1.0" encoding="utf-8"?>
-<ds:datastoreItem xmlns:ds="http://schemas.openxmlformats.org/officeDocument/2006/customXml" ds:itemID="{950072C5-DDE0-4258-BA7A-4D4B80DFA632}">
-  <ds:schemaRefs>
-    <ds:schemaRef ds:uri="http://purl.org/dc/dcmitype/"/>
-    <ds:schemaRef ds:uri="http://purl.org/dc/elements/1.1/"/>
-    <ds:schemaRef ds:uri="http://schemas.microsoft.com/office/2006/metadata/properties"/>
-    <ds:schemaRef ds:uri="16c05727-aa75-4e4a-9b5f-8a80a1165891"/>
-    <ds:schemaRef ds:uri="http://www.w3.org/XML/1998/namespace"/>
-    <ds:schemaRef ds:uri="http://purl.org/dc/terms/"/>
-    <ds:schemaRef ds:uri="http://schemas.microsoft.com/office/2006/documentManagement/types"/>
-    <ds:schemaRef ds:uri="http://schemas.microsoft.com/office/infopath/2007/PartnerControls"/>
-    <ds:schemaRef ds:uri="http://schemas.openxmlformats.org/package/2006/metadata/core-properties"/>
-    <ds:schemaRef ds:uri="71af3243-3dd4-4a8d-8c0d-dd76da1f02a5"/>
-  </ds:schemaRefs>
-</ds:datastoreItem>
 </file>
--- a/NDC-TALK.pptx
+++ b/NDC-TALK.pptx
@@ -299,7 +299,7 @@
           <a:p>
             <a:fld id="{80680FBE-A8DF-4758-9AC4-3A9E1039168F}" type="datetimeFigureOut">
               <a:rPr lang="en-US" smtClean="0"/>
-              <a:t>1/26/2021</a:t>
+              <a:t>1/27/2021</a:t>
             </a:fld>
             <a:endParaRPr lang="en-US" dirty="0"/>
           </a:p>
@@ -464,7 +464,7 @@
           <a:p>
             <a:fld id="{EC13577B-6902-467D-A26C-08A0DD5E4E03}" type="datetimeFigureOut">
               <a:rPr lang="en-US" smtClean="0"/>
-              <a:t>1/26/2021</a:t>
+              <a:t>1/27/2021</a:t>
             </a:fld>
             <a:endParaRPr lang="en-US" dirty="0"/>
           </a:p>
@@ -1170,7 +1170,7 @@
             <a:fld id="{8BEEBAAA-29B5-4AF5-BC5F-7E580C29002D}" type="datetimeFigureOut">
               <a:rPr lang="en-US" smtClean="0"/>
               <a:pPr/>
-              <a:t>1/26/2021</a:t>
+              <a:t>1/27/2021</a:t>
             </a:fld>
             <a:endParaRPr lang="en-US" dirty="0"/>
           </a:p>
@@ -1745,7 +1745,7 @@
           <a:p>
             <a:fld id="{4D723AB6-704A-42C8-AB51-31B091223600}" type="datetimeFigureOut">
               <a:rPr lang="en-GB" smtClean="0"/>
-              <a:t>26/01/2021</a:t>
+              <a:t>27/01/2021</a:t>
             </a:fld>
             <a:endParaRPr lang="en-GB"/>
           </a:p>
@@ -1945,7 +1945,7 @@
           <a:p>
             <a:fld id="{4D723AB6-704A-42C8-AB51-31B091223600}" type="datetimeFigureOut">
               <a:rPr lang="en-GB" smtClean="0"/>
-              <a:t>26/01/2021</a:t>
+              <a:t>27/01/2021</a:t>
             </a:fld>
             <a:endParaRPr lang="en-GB"/>
           </a:p>
@@ -2218,7 +2218,7 @@
             <a:fld id="{8BEEBAAA-29B5-4AF5-BC5F-7E580C29002D}" type="datetimeFigureOut">
               <a:rPr lang="en-US" smtClean="0"/>
               <a:pPr/>
-              <a:t>1/26/2021</a:t>
+              <a:t>1/27/2021</a:t>
             </a:fld>
             <a:endParaRPr lang="en-US" dirty="0"/>
           </a:p>
@@ -6050,175 +6050,6 @@
   <p:clrMapOvr>
     <a:masterClrMapping/>
   </p:clrMapOvr>
-  <p:timing>
-    <p:tnLst>
-      <p:par>
-        <p:cTn id="1" dur="indefinite" restart="never" nodeType="tmRoot">
-          <p:childTnLst>
-            <p:seq concurrent="1" nextAc="seek">
-              <p:cTn id="2" dur="indefinite" nodeType="mainSeq">
-                <p:childTnLst>
-                  <p:par>
-                    <p:cTn id="3" fill="hold">
-                      <p:stCondLst>
-                        <p:cond delay="indefinite"/>
-                      </p:stCondLst>
-                      <p:childTnLst>
-                        <p:par>
-                          <p:cTn id="4" fill="hold">
-                            <p:stCondLst>
-                              <p:cond delay="0"/>
-                            </p:stCondLst>
-                            <p:childTnLst>
-                              <p:par>
-                                <p:cTn id="5" presetID="1" presetClass="entr" presetSubtype="0" fill="hold" grpId="0" nodeType="clickEffect">
-                                  <p:stCondLst>
-                                    <p:cond delay="0"/>
-                                  </p:stCondLst>
-                                  <p:childTnLst>
-                                    <p:set>
-                                      <p:cBhvr>
-                                        <p:cTn id="6" dur="1" fill="hold">
-                                          <p:stCondLst>
-                                            <p:cond delay="0"/>
-                                          </p:stCondLst>
-                                        </p:cTn>
-                                        <p:tgtEl>
-                                          <p:spTgt spid="7"/>
-                                        </p:tgtEl>
-                                        <p:attrNameLst>
-                                          <p:attrName>style.visibility</p:attrName>
-                                        </p:attrNameLst>
-                                      </p:cBhvr>
-                                      <p:to>
-                                        <p:strVal val="visible"/>
-                                      </p:to>
-                                    </p:set>
-                                  </p:childTnLst>
-                                </p:cTn>
-                              </p:par>
-                            </p:childTnLst>
-                          </p:cTn>
-                        </p:par>
-                      </p:childTnLst>
-                    </p:cTn>
-                  </p:par>
-                  <p:par>
-                    <p:cTn id="7" fill="hold">
-                      <p:stCondLst>
-                        <p:cond delay="indefinite"/>
-                      </p:stCondLst>
-                      <p:childTnLst>
-                        <p:par>
-                          <p:cTn id="8" fill="hold">
-                            <p:stCondLst>
-                              <p:cond delay="0"/>
-                            </p:stCondLst>
-                            <p:childTnLst>
-                              <p:par>
-                                <p:cTn id="9" presetID="1" presetClass="entr" presetSubtype="0" fill="hold" nodeType="clickEffect">
-                                  <p:stCondLst>
-                                    <p:cond delay="0"/>
-                                  </p:stCondLst>
-                                  <p:childTnLst>
-                                    <p:set>
-                                      <p:cBhvr>
-                                        <p:cTn id="10" dur="1" fill="hold">
-                                          <p:stCondLst>
-                                            <p:cond delay="0"/>
-                                          </p:stCondLst>
-                                        </p:cTn>
-                                        <p:tgtEl>
-                                          <p:spTgt spid="6"/>
-                                        </p:tgtEl>
-                                        <p:attrNameLst>
-                                          <p:attrName>style.visibility</p:attrName>
-                                        </p:attrNameLst>
-                                      </p:cBhvr>
-                                      <p:to>
-                                        <p:strVal val="visible"/>
-                                      </p:to>
-                                    </p:set>
-                                  </p:childTnLst>
-                                </p:cTn>
-                              </p:par>
-                            </p:childTnLst>
-                          </p:cTn>
-                        </p:par>
-                      </p:childTnLst>
-                    </p:cTn>
-                  </p:par>
-                  <p:par>
-                    <p:cTn id="11" fill="hold">
-                      <p:stCondLst>
-                        <p:cond delay="indefinite"/>
-                      </p:stCondLst>
-                      <p:childTnLst>
-                        <p:par>
-                          <p:cTn id="12" fill="hold">
-                            <p:stCondLst>
-                              <p:cond delay="0"/>
-                            </p:stCondLst>
-                            <p:childTnLst>
-                              <p:par>
-                                <p:cTn id="13" presetID="1" presetClass="entr" presetSubtype="0" fill="hold" grpId="0" nodeType="clickEffect">
-                                  <p:stCondLst>
-                                    <p:cond delay="0"/>
-                                  </p:stCondLst>
-                                  <p:childTnLst>
-                                    <p:set>
-                                      <p:cBhvr>
-                                        <p:cTn id="14" dur="1" fill="hold">
-                                          <p:stCondLst>
-                                            <p:cond delay="0"/>
-                                          </p:stCondLst>
-                                        </p:cTn>
-                                        <p:tgtEl>
-                                          <p:spTgt spid="2"/>
-                                        </p:tgtEl>
-                                        <p:attrNameLst>
-                                          <p:attrName>style.visibility</p:attrName>
-                                        </p:attrNameLst>
-                                      </p:cBhvr>
-                                      <p:to>
-                                        <p:strVal val="visible"/>
-                                      </p:to>
-                                    </p:set>
-                                  </p:childTnLst>
-                                </p:cTn>
-                              </p:par>
-                            </p:childTnLst>
-                          </p:cTn>
-                        </p:par>
-                      </p:childTnLst>
-                    </p:cTn>
-                  </p:par>
-                </p:childTnLst>
-              </p:cTn>
-              <p:prevCondLst>
-                <p:cond evt="onPrev" delay="0">
-                  <p:tgtEl>
-                    <p:sldTgt/>
-                  </p:tgtEl>
-                </p:cond>
-              </p:prevCondLst>
-              <p:nextCondLst>
-                <p:cond evt="onNext" delay="0">
-                  <p:tgtEl>
-                    <p:sldTgt/>
-                  </p:tgtEl>
-                </p:cond>
-              </p:nextCondLst>
-            </p:seq>
-          </p:childTnLst>
-        </p:cTn>
-      </p:par>
-    </p:tnLst>
-    <p:bldLst>
-      <p:bldP spid="7" grpId="0"/>
-      <p:bldP spid="2" grpId="0"/>
-    </p:bldLst>
-  </p:timing>
 </p:sld>
 </file>
 
@@ -7355,6 +7186,41 @@
           </a:p>
         </p:txBody>
       </p:sp>
+      <p:sp>
+        <p:nvSpPr>
+          <p:cNvPr id="5" name="TextBox 4">
+            <a:extLst>
+              <a:ext uri="{FF2B5EF4-FFF2-40B4-BE49-F238E27FC236}">
+                <a16:creationId xmlns:a16="http://schemas.microsoft.com/office/drawing/2014/main" id="{505A8947-99B2-4044-8EE4-292FC025F883}"/>
+              </a:ext>
+            </a:extLst>
+          </p:cNvPr>
+          <p:cNvSpPr txBox="1"/>
+          <p:nvPr/>
+        </p:nvSpPr>
+        <p:spPr>
+          <a:xfrm>
+            <a:off x="1132084" y="5002446"/>
+            <a:ext cx="6164825" cy="461665"/>
+          </a:xfrm>
+          <a:prstGeom prst="rect">
+            <a:avLst/>
+          </a:prstGeom>
+          <a:noFill/>
+        </p:spPr>
+        <p:txBody>
+          <a:bodyPr wrap="square" rtlCol="0">
+            <a:spAutoFit/>
+          </a:bodyPr>
+          <a:lstStyle/>
+          <a:p>
+            <a:r>
+              <a:rPr lang="en-GB" sz="2400" dirty="0"/>
+              <a:t>Anchor tag extends the HTMLElement class</a:t>
+            </a:r>
+          </a:p>
+        </p:txBody>
+      </p:sp>
     </p:spTree>
     <p:extLst>
       <p:ext uri="{BB962C8B-B14F-4D97-AF65-F5344CB8AC3E}">
@@ -9419,7 +9285,7 @@
                 <a:latin typeface="Segoe UI Light" panose="020B0502040204020203" pitchFamily="34" charset="0"/>
                 <a:cs typeface="Segoe UI Light" panose="020B0502040204020203" pitchFamily="34" charset="0"/>
               </a:rPr>
-              <a:t>PROPS DOWN &lt;a-comp postid=“34” /&gt; </a:t>
+              <a:t>PROPS DOWN &lt;my-component postid=“34” /&gt; </a:t>
             </a:r>
           </a:p>
           <a:p>
@@ -14319,6 +14185,55 @@
           </a:p>
         </p:txBody>
       </p:sp>
+      <p:sp>
+        <p:nvSpPr>
+          <p:cNvPr id="2" name="Speech Bubble: Rectangle 1">
+            <a:extLst>
+              <a:ext uri="{FF2B5EF4-FFF2-40B4-BE49-F238E27FC236}">
+                <a16:creationId xmlns:a16="http://schemas.microsoft.com/office/drawing/2014/main" id="{19004DA7-26A9-4B5A-8A65-77416C45A777}"/>
+              </a:ext>
+            </a:extLst>
+          </p:cNvPr>
+          <p:cNvSpPr/>
+          <p:nvPr/>
+        </p:nvSpPr>
+        <p:spPr>
+          <a:xfrm>
+            <a:off x="2640203" y="4581586"/>
+            <a:ext cx="2805090" cy="299122"/>
+          </a:xfrm>
+          <a:prstGeom prst="wedgeRectCallout">
+            <a:avLst/>
+          </a:prstGeom>
+        </p:spPr>
+        <p:style>
+          <a:lnRef idx="2">
+            <a:schemeClr val="accent1">
+              <a:shade val="50000"/>
+            </a:schemeClr>
+          </a:lnRef>
+          <a:fillRef idx="1">
+            <a:schemeClr val="accent1"/>
+          </a:fillRef>
+          <a:effectRef idx="0">
+            <a:schemeClr val="accent1"/>
+          </a:effectRef>
+          <a:fontRef idx="minor">
+            <a:schemeClr val="lt1"/>
+          </a:fontRef>
+        </p:style>
+        <p:txBody>
+          <a:bodyPr rtlCol="0" anchor="ctr"/>
+          <a:lstStyle/>
+          <a:p>
+            <a:pPr algn="ctr"/>
+            <a:r>
+              <a:rPr lang="en-GB" sz="1400" b="1" dirty="0"/>
+              <a:t>Salesforce has purchased Slack</a:t>
+            </a:r>
+          </a:p>
+        </p:txBody>
+      </p:sp>
     </p:spTree>
     <p:extLst>
       <p:ext uri="{BB962C8B-B14F-4D97-AF65-F5344CB8AC3E}">
@@ -14625,7 +14540,7 @@
         <p:spPr>
           <a:xfrm>
             <a:off x="541609" y="1691065"/>
-            <a:ext cx="10971964" cy="3600986"/>
+            <a:ext cx="10971964" cy="4185761"/>
           </a:xfrm>
           <a:prstGeom prst="rect">
             <a:avLst/>
@@ -14651,7 +14566,7 @@
                 <a:latin typeface="Segoe UI Light" panose="020B0502040204020203" pitchFamily="34" charset="0"/>
                 <a:cs typeface="Segoe UI Light" panose="020B0502040204020203" pitchFamily="34" charset="0"/>
               </a:rPr>
-              <a:t>These are only limited by JS.</a:t>
+              <a:t>These are only limited by our use of JS as they are regular JS components.</a:t>
             </a:r>
           </a:p>
           <a:p>
@@ -17507,7 +17422,7 @@
               <a:buNone/>
             </a:pPr>
             <a:r>
-              <a:rPr lang="en-GB" sz="2800" dirty="0">
+              <a:rPr lang="en-GB" sz="2800" b="1" dirty="0">
                 <a:solidFill>
                   <a:schemeClr val="bg2">
                     <a:lumMod val="25000"/>
@@ -17607,7 +17522,7 @@
               </a:lnSpc>
             </a:pPr>
             <a:r>
-              <a:rPr lang="en-GB" sz="2800" dirty="0">
+              <a:rPr lang="en-GB" sz="2800" b="1" dirty="0">
                 <a:solidFill>
                   <a:schemeClr val="bg2">
                     <a:lumMod val="25000"/>
